--- a/fsh/ig-data/input/images/DocumentationOfCPCDSToFHIRProfilesMapping.pptx
+++ b/fsh/ig-data/input/images/DocumentationOfCPCDSToFHIRProfilesMapping.pptx
@@ -2,18 +2,18 @@
 <file path=ppt/presentation.xml><?xml version="1.0" encoding="utf-8"?>
 <p:presentation xmlns:a="http://schemas.openxmlformats.org/drawingml/2006/main" xmlns:r="http://schemas.openxmlformats.org/officeDocument/2006/relationships" xmlns:p="http://schemas.openxmlformats.org/presentationml/2006/main" saveSubsetFonts="1" autoCompressPictures="0">
   <p:sldMasterIdLst>
-    <p:sldMasterId id="2147483648" r:id="rId1"/>
+    <p:sldMasterId id="2147483648" r:id="rId4"/>
   </p:sldMasterIdLst>
   <p:notesMasterIdLst>
-    <p:notesMasterId r:id="rId5"/>
+    <p:notesMasterId r:id="rId8"/>
   </p:notesMasterIdLst>
   <p:handoutMasterIdLst>
-    <p:handoutMasterId r:id="rId6"/>
+    <p:handoutMasterId r:id="rId9"/>
   </p:handoutMasterIdLst>
   <p:sldIdLst>
-    <p:sldId id="272" r:id="rId2"/>
-    <p:sldId id="273" r:id="rId3"/>
-    <p:sldId id="274" r:id="rId4"/>
+    <p:sldId id="2724" r:id="rId5"/>
+    <p:sldId id="2725" r:id="rId6"/>
+    <p:sldId id="2726" r:id="rId7"/>
   </p:sldIdLst>
   <p:sldSz cx="9144000" cy="5143500" type="screen16x9"/>
   <p:notesSz cx="6858000" cy="9144000"/>
@@ -266,7 +266,7 @@
             <a:fld id="{1BCE7D1B-E2D6-42EC-A46F-6B8D8AB722EA}" type="datetime1">
               <a:rPr lang="en-US" altLang="en-US"/>
               <a:pPr/>
-              <a:t>10/19/20</a:t>
+              <a:t>10/28/20</a:t>
             </a:fld>
             <a:endParaRPr lang="en-US" altLang="en-US"/>
           </a:p>
@@ -497,7 +497,7 @@
             <a:fld id="{60D4D74E-7671-46E5-9A5B-14F31A4C0D2E}" type="datetime1">
               <a:rPr lang="en-US" altLang="en-US"/>
               <a:pPr/>
-              <a:t>10/19/20</a:t>
+              <a:t>10/28/20</a:t>
             </a:fld>
             <a:endParaRPr lang="en-US" altLang="en-US"/>
           </a:p>
@@ -909,7 +909,7 @@
     </p:spTree>
     <p:extLst>
       <p:ext uri="{BB962C8B-B14F-4D97-AF65-F5344CB8AC3E}">
-        <p14:creationId xmlns:p14="http://schemas.microsoft.com/office/powerpoint/2010/main" val="415616903"/>
+        <p14:creationId xmlns:p14="http://schemas.microsoft.com/office/powerpoint/2010/main" val="1355736794"/>
       </p:ext>
     </p:extLst>
   </p:cSld>
@@ -985,7 +985,7 @@
             <a:fld id="{CF4A7F80-F256-4EC8-A9CC-1A842C6C5143}" type="slidenum">
               <a:rPr lang="en-US" altLang="en-US" smtClean="0"/>
               <a:pPr/>
-              <a:t>3</a:t>
+              <a:t>2</a:t>
             </a:fld>
             <a:endParaRPr lang="en-US" altLang="en-US"/>
           </a:p>
@@ -994,7 +994,92 @@
     </p:spTree>
     <p:extLst>
       <p:ext uri="{BB962C8B-B14F-4D97-AF65-F5344CB8AC3E}">
-        <p14:creationId xmlns:p14="http://schemas.microsoft.com/office/powerpoint/2010/main" val="3390765233"/>
+        <p14:creationId xmlns:p14="http://schemas.microsoft.com/office/powerpoint/2010/main" val="46174580"/>
+      </p:ext>
+    </p:extLst>
+  </p:cSld>
+  <p:clrMapOvr>
+    <a:masterClrMapping/>
+  </p:clrMapOvr>
+</p:notes>
+</file>
+
+<file path=ppt/notesSlides/notesSlide3.xml><?xml version="1.0" encoding="utf-8"?>
+<p:notes xmlns:a="http://schemas.openxmlformats.org/drawingml/2006/main" xmlns:r="http://schemas.openxmlformats.org/officeDocument/2006/relationships" xmlns:p="http://schemas.openxmlformats.org/presentationml/2006/main">
+  <p:cSld>
+    <p:spTree>
+      <p:nvGrpSpPr>
+        <p:cNvPr id="1" name=""/>
+        <p:cNvGrpSpPr/>
+        <p:nvPr/>
+      </p:nvGrpSpPr>
+      <p:grpSpPr>
+        <a:xfrm>
+          <a:off x="0" y="0"/>
+          <a:ext cx="0" cy="0"/>
+          <a:chOff x="0" y="0"/>
+          <a:chExt cx="0" cy="0"/>
+        </a:xfrm>
+      </p:grpSpPr>
+      <p:sp>
+        <p:nvSpPr>
+          <p:cNvPr id="2" name="Slide Image Placeholder 1"/>
+          <p:cNvSpPr>
+            <a:spLocks noGrp="1" noRot="1" noChangeAspect="1"/>
+          </p:cNvSpPr>
+          <p:nvPr>
+            <p:ph type="sldImg"/>
+          </p:nvPr>
+        </p:nvSpPr>
+        <p:spPr/>
+      </p:sp>
+      <p:sp>
+        <p:nvSpPr>
+          <p:cNvPr id="3" name="Notes Placeholder 2"/>
+          <p:cNvSpPr>
+            <a:spLocks noGrp="1"/>
+          </p:cNvSpPr>
+          <p:nvPr>
+            <p:ph type="body" idx="1"/>
+          </p:nvPr>
+        </p:nvSpPr>
+        <p:spPr/>
+        <p:txBody>
+          <a:bodyPr/>
+          <a:lstStyle/>
+          <a:p>
+            <a:endParaRPr lang="en-US" dirty="0"/>
+          </a:p>
+        </p:txBody>
+      </p:sp>
+      <p:sp>
+        <p:nvSpPr>
+          <p:cNvPr id="4" name="Slide Number Placeholder 3"/>
+          <p:cNvSpPr>
+            <a:spLocks noGrp="1"/>
+          </p:cNvSpPr>
+          <p:nvPr>
+            <p:ph type="sldNum" sz="quarter" idx="10"/>
+          </p:nvPr>
+        </p:nvSpPr>
+        <p:spPr/>
+        <p:txBody>
+          <a:bodyPr/>
+          <a:lstStyle/>
+          <a:p>
+            <a:fld id="{CF4A7F80-F256-4EC8-A9CC-1A842C6C5143}" type="slidenum">
+              <a:rPr lang="en-US" altLang="en-US" smtClean="0"/>
+              <a:pPr/>
+              <a:t>3</a:t>
+            </a:fld>
+            <a:endParaRPr lang="en-US" altLang="en-US"/>
+          </a:p>
+        </p:txBody>
+      </p:sp>
+    </p:spTree>
+    <p:extLst>
+      <p:ext uri="{BB962C8B-B14F-4D97-AF65-F5344CB8AC3E}">
+        <p14:creationId xmlns:p14="http://schemas.microsoft.com/office/powerpoint/2010/main" val="1082515070"/>
       </p:ext>
     </p:extLst>
   </p:cSld>
@@ -1497,7 +1582,7 @@
           <a:p>
             <a:fld id="{23F303CC-BC6F-44EE-9A09-81F690F71D2E}" type="datetime1">
               <a:rPr lang="en-US" altLang="en-US" smtClean="0"/>
-              <a:t>10/19/20</a:t>
+              <a:t>10/28/20</a:t>
             </a:fld>
             <a:endParaRPr lang="en-US" altLang="en-US" dirty="0"/>
           </a:p>
@@ -2070,6 +2155,53 @@
           <a:prstGeom prst="rect">
             <a:avLst/>
           </a:prstGeom>
+        </p:spPr>
+      </p:pic>
+      <p:pic>
+        <p:nvPicPr>
+          <p:cNvPr id="12" name="Picture 2" descr="FHIR Accelerator badge">
+            <a:extLst>
+              <a:ext uri="{FF2B5EF4-FFF2-40B4-BE49-F238E27FC236}">
+                <a16:creationId xmlns:a16="http://schemas.microsoft.com/office/drawing/2014/main" id="{D894C441-9702-450C-8C71-2C9A607146D8}"/>
+              </a:ext>
+            </a:extLst>
+          </p:cNvPr>
+          <p:cNvPicPr>
+            <a:picLocks noChangeAspect="1" noChangeArrowheads="1"/>
+          </p:cNvPicPr>
+          <p:nvPr userDrawn="1"/>
+        </p:nvPicPr>
+        <p:blipFill>
+          <a:blip r:embed="rId4" cstate="print">
+            <a:extLst>
+              <a:ext uri="{28A0092B-C50C-407E-A947-70E740481C1C}">
+                <a14:useLocalDpi xmlns:a14="http://schemas.microsoft.com/office/drawing/2010/main" val="0"/>
+              </a:ext>
+            </a:extLst>
+          </a:blip>
+          <a:srcRect/>
+          <a:stretch>
+            <a:fillRect/>
+          </a:stretch>
+        </p:blipFill>
+        <p:spPr bwMode="auto">
+          <a:xfrm>
+            <a:off x="9591892" y="63285"/>
+            <a:ext cx="798699" cy="798699"/>
+          </a:xfrm>
+          <a:prstGeom prst="rect">
+            <a:avLst/>
+          </a:prstGeom>
+          <a:noFill/>
+          <a:extLst>
+            <a:ext uri="{909E8E84-426E-40DD-AFC4-6F175D3DCCD1}">
+              <a14:hiddenFill xmlns:a14="http://schemas.microsoft.com/office/drawing/2010/main">
+                <a:solidFill>
+                  <a:srgbClr val="FFFFFF"/>
+                </a:solidFill>
+              </a14:hiddenFill>
+            </a:ext>
+          </a:extLst>
         </p:spPr>
       </p:pic>
     </p:spTree>
@@ -4047,6 +4179,53 @@
           </a:prstGeom>
         </p:spPr>
       </p:pic>
+      <p:pic>
+        <p:nvPicPr>
+          <p:cNvPr id="12" name="Picture 2" descr="FHIR Accelerator badge">
+            <a:extLst>
+              <a:ext uri="{FF2B5EF4-FFF2-40B4-BE49-F238E27FC236}">
+                <a16:creationId xmlns:a16="http://schemas.microsoft.com/office/drawing/2014/main" id="{90B851D3-21F9-467B-9DDA-AF8A80AA7BBB}"/>
+              </a:ext>
+            </a:extLst>
+          </p:cNvPr>
+          <p:cNvPicPr>
+            <a:picLocks noChangeAspect="1" noChangeArrowheads="1"/>
+          </p:cNvPicPr>
+          <p:nvPr userDrawn="1"/>
+        </p:nvPicPr>
+        <p:blipFill>
+          <a:blip r:embed="rId4" cstate="print">
+            <a:extLst>
+              <a:ext uri="{28A0092B-C50C-407E-A947-70E740481C1C}">
+                <a14:useLocalDpi xmlns:a14="http://schemas.microsoft.com/office/drawing/2010/main" val="0"/>
+              </a:ext>
+            </a:extLst>
+          </a:blip>
+          <a:srcRect/>
+          <a:stretch>
+            <a:fillRect/>
+          </a:stretch>
+        </p:blipFill>
+        <p:spPr bwMode="auto">
+          <a:xfrm>
+            <a:off x="8287450" y="43323"/>
+            <a:ext cx="798699" cy="798699"/>
+          </a:xfrm>
+          <a:prstGeom prst="rect">
+            <a:avLst/>
+          </a:prstGeom>
+          <a:noFill/>
+          <a:extLst>
+            <a:ext uri="{909E8E84-426E-40DD-AFC4-6F175D3DCCD1}">
+              <a14:hiddenFill xmlns:a14="http://schemas.microsoft.com/office/drawing/2010/main">
+                <a:solidFill>
+                  <a:srgbClr val="FFFFFF"/>
+                </a:solidFill>
+              </a14:hiddenFill>
+            </a:ext>
+          </a:extLst>
+        </p:spPr>
+      </p:pic>
     </p:spTree>
     <p:extLst>
       <p:ext uri="{BB962C8B-B14F-4D97-AF65-F5344CB8AC3E}">
@@ -6207,7 +6386,7 @@
           <a:p>
             <a:fld id="{7CE3BD8C-C39F-4FFF-9CD5-05E4806DBFF3}" type="datetime1">
               <a:rPr lang="en-US" altLang="en-US" smtClean="0"/>
-              <a:t>10/19/20</a:t>
+              <a:t>10/28/20</a:t>
             </a:fld>
             <a:endParaRPr lang="en-US" altLang="en-US"/>
           </a:p>
@@ -6734,9 +6913,894 @@
           <a:chExt cx="0" cy="0"/>
         </a:xfrm>
       </p:grpSpPr>
+      <p:pic>
+        <p:nvPicPr>
+          <p:cNvPr id="29" name="Picture 28"/>
+          <p:cNvPicPr>
+            <a:picLocks noChangeAspect="1"/>
+          </p:cNvPicPr>
+          <p:nvPr/>
+        </p:nvPicPr>
+        <p:blipFill rotWithShape="1">
+          <a:blip r:embed="rId3"/>
+          <a:srcRect t="26111" r="17639" b="8827"/>
+          <a:stretch/>
+        </p:blipFill>
+        <p:spPr>
+          <a:xfrm>
+            <a:off x="22887" y="1289948"/>
+            <a:ext cx="9093682" cy="3853552"/>
+          </a:xfrm>
+          <a:prstGeom prst="rect">
+            <a:avLst/>
+          </a:prstGeom>
+        </p:spPr>
+      </p:pic>
       <p:sp>
         <p:nvSpPr>
-          <p:cNvPr id="15363" name="Footer Placeholder 3">
+          <p:cNvPr id="5" name="Slide Number Placeholder 4">
+            <a:extLst>
+              <a:ext uri="{FF2B5EF4-FFF2-40B4-BE49-F238E27FC236}">
+                <a16:creationId xmlns:a16="http://schemas.microsoft.com/office/drawing/2014/main" id="{7AFC7D0C-6DC5-4BA2-A40E-99114BD8FE90}"/>
+              </a:ext>
+            </a:extLst>
+          </p:cNvPr>
+          <p:cNvSpPr>
+            <a:spLocks noGrp="1"/>
+          </p:cNvSpPr>
+          <p:nvPr>
+            <p:ph type="sldNum" sz="quarter" idx="11"/>
+          </p:nvPr>
+        </p:nvSpPr>
+        <p:spPr/>
+        <p:txBody>
+          <a:bodyPr/>
+          <a:lstStyle/>
+          <a:p>
+            <a:fld id="{6CACE926-AEF5-4BFE-8BD7-24414108CB7B}" type="slidenum">
+              <a:rPr lang="en-US" altLang="en-US" smtClean="0"/>
+              <a:pPr/>
+              <a:t>1</a:t>
+            </a:fld>
+            <a:endParaRPr lang="en-US" altLang="en-US" dirty="0"/>
+          </a:p>
+        </p:txBody>
+      </p:sp>
+      <p:sp>
+        <p:nvSpPr>
+          <p:cNvPr id="9" name="Title 1">
+            <a:extLst>
+              <a:ext uri="{FF2B5EF4-FFF2-40B4-BE49-F238E27FC236}">
+                <a16:creationId xmlns:a16="http://schemas.microsoft.com/office/drawing/2014/main" id="{9BD03358-C736-4C1A-8E91-843C37ADF1DB}"/>
+              </a:ext>
+            </a:extLst>
+          </p:cNvPr>
+          <p:cNvSpPr>
+            <a:spLocks noGrp="1"/>
+          </p:cNvSpPr>
+          <p:nvPr>
+            <p:ph type="title"/>
+          </p:nvPr>
+        </p:nvSpPr>
+        <p:spPr>
+          <a:xfrm>
+            <a:off x="613647" y="35864"/>
+            <a:ext cx="8229600" cy="782327"/>
+          </a:xfrm>
+        </p:spPr>
+        <p:txBody>
+          <a:bodyPr/>
+          <a:lstStyle/>
+          <a:p>
+            <a:r>
+              <a:rPr lang="en-US" sz="1800" dirty="0"/>
+              <a:t>Mapping Worksheet |  </a:t>
+            </a:r>
+            <a:r>
+              <a:rPr lang="en-US" sz="1200" dirty="0"/>
+              <a:t>The Data Element Index maps CARIN CPCDS data elements to FHIR </a:t>
+            </a:r>
+            <a:br>
+              <a:rPr lang="en-US" sz="1200" dirty="0"/>
+            </a:br>
+            <a:r>
+              <a:rPr lang="en-US" sz="1200" dirty="0"/>
+              <a:t>Resources; Each row  maps to one of the profiles </a:t>
+            </a:r>
+            <a:endParaRPr lang="en-US" altLang="en-US" sz="1800" dirty="0"/>
+          </a:p>
+        </p:txBody>
+      </p:sp>
+      <p:cxnSp>
+        <p:nvCxnSpPr>
+          <p:cNvPr id="10" name="Straight Arrow Connector 9"/>
+          <p:cNvCxnSpPr/>
+          <p:nvPr/>
+        </p:nvCxnSpPr>
+        <p:spPr>
+          <a:xfrm>
+            <a:off x="2158339" y="1206162"/>
+            <a:ext cx="1481" cy="542848"/>
+          </a:xfrm>
+          <a:prstGeom prst="straightConnector1">
+            <a:avLst/>
+          </a:prstGeom>
+          <a:ln w="19050">
+            <a:solidFill>
+              <a:srgbClr val="008000"/>
+            </a:solidFill>
+            <a:tailEnd type="triangle"/>
+          </a:ln>
+        </p:spPr>
+        <p:style>
+          <a:lnRef idx="1">
+            <a:schemeClr val="accent1"/>
+          </a:lnRef>
+          <a:fillRef idx="0">
+            <a:schemeClr val="accent1"/>
+          </a:fillRef>
+          <a:effectRef idx="0">
+            <a:schemeClr val="accent1"/>
+          </a:effectRef>
+          <a:fontRef idx="minor">
+            <a:schemeClr val="tx1"/>
+          </a:fontRef>
+        </p:style>
+      </p:cxnSp>
+      <p:sp>
+        <p:nvSpPr>
+          <p:cNvPr id="11" name="TextBox 10"/>
+          <p:cNvSpPr txBox="1"/>
+          <p:nvPr/>
+        </p:nvSpPr>
+        <p:spPr>
+          <a:xfrm>
+            <a:off x="1417674" y="940856"/>
+            <a:ext cx="1787133" cy="230832"/>
+          </a:xfrm>
+          <a:prstGeom prst="rect">
+            <a:avLst/>
+          </a:prstGeom>
+          <a:gradFill flip="none" rotWithShape="1">
+            <a:gsLst>
+              <a:gs pos="0">
+                <a:srgbClr val="CCFFCC">
+                  <a:shade val="30000"/>
+                  <a:satMod val="115000"/>
+                </a:srgbClr>
+              </a:gs>
+              <a:gs pos="50000">
+                <a:srgbClr val="CCFFCC">
+                  <a:shade val="67500"/>
+                  <a:satMod val="115000"/>
+                </a:srgbClr>
+              </a:gs>
+              <a:gs pos="100000">
+                <a:srgbClr val="CCFFCC">
+                  <a:shade val="100000"/>
+                  <a:satMod val="115000"/>
+                </a:srgbClr>
+              </a:gs>
+            </a:gsLst>
+            <a:lin ang="2700000" scaled="1"/>
+            <a:tileRect/>
+          </a:gradFill>
+          <a:ln>
+            <a:noFill/>
+          </a:ln>
+          <a:effectLst>
+            <a:outerShdw blurRad="107950" dist="12700" dir="5400000" algn="ctr">
+              <a:srgbClr val="000000"/>
+            </a:outerShdw>
+          </a:effectLst>
+          <a:scene3d>
+            <a:camera prst="orthographicFront">
+              <a:rot lat="0" lon="0" rev="0"/>
+            </a:camera>
+            <a:lightRig rig="soft" dir="t">
+              <a:rot lat="0" lon="0" rev="0"/>
+            </a:lightRig>
+          </a:scene3d>
+          <a:sp3d contourW="44450" prstMaterial="matte">
+            <a:bevelT w="63500" h="63500" prst="artDeco"/>
+            <a:contourClr>
+              <a:srgbClr val="FFFFFF"/>
+            </a:contourClr>
+          </a:sp3d>
+        </p:spPr>
+        <p:txBody>
+          <a:bodyPr wrap="square" lIns="0" tIns="0" rtlCol="0">
+            <a:spAutoFit/>
+          </a:bodyPr>
+          <a:lstStyle/>
+          <a:p>
+            <a:pPr algn="ctr"/>
+            <a:r>
+              <a:rPr lang="en-US" sz="1200" dirty="0"/>
+              <a:t>CARIN Data Elements</a:t>
+            </a:r>
+          </a:p>
+        </p:txBody>
+      </p:sp>
+      <p:sp>
+        <p:nvSpPr>
+          <p:cNvPr id="12" name="TextBox 11"/>
+          <p:cNvSpPr txBox="1"/>
+          <p:nvPr/>
+        </p:nvSpPr>
+        <p:spPr>
+          <a:xfrm>
+            <a:off x="7662862" y="987947"/>
+            <a:ext cx="1308702" cy="415498"/>
+          </a:xfrm>
+          <a:prstGeom prst="rect">
+            <a:avLst/>
+          </a:prstGeom>
+          <a:solidFill>
+            <a:srgbClr val="FF9966"/>
+          </a:solidFill>
+          <a:ln>
+            <a:noFill/>
+          </a:ln>
+          <a:effectLst>
+            <a:outerShdw blurRad="107950" dist="12700" dir="5400000" algn="ctr">
+              <a:srgbClr val="000000"/>
+            </a:outerShdw>
+          </a:effectLst>
+          <a:scene3d>
+            <a:camera prst="orthographicFront">
+              <a:rot lat="0" lon="0" rev="0"/>
+            </a:camera>
+            <a:lightRig rig="soft" dir="t">
+              <a:rot lat="0" lon="0" rev="0"/>
+            </a:lightRig>
+          </a:scene3d>
+          <a:sp3d contourW="44450" prstMaterial="matte">
+            <a:bevelT w="63500" h="63500" prst="artDeco"/>
+            <a:contourClr>
+              <a:srgbClr val="FFFFFF"/>
+            </a:contourClr>
+          </a:sp3d>
+        </p:spPr>
+        <p:txBody>
+          <a:bodyPr wrap="square" lIns="0" tIns="0" rtlCol="0">
+            <a:spAutoFit/>
+          </a:bodyPr>
+          <a:lstStyle/>
+          <a:p>
+            <a:pPr algn="ctr"/>
+            <a:r>
+              <a:rPr lang="en-US" sz="1200" dirty="0">
+                <a:solidFill>
+                  <a:srgbClr val="C00000"/>
+                </a:solidFill>
+              </a:rPr>
+              <a:t>FHIR Resource Mapping</a:t>
+            </a:r>
+          </a:p>
+        </p:txBody>
+      </p:sp>
+      <p:cxnSp>
+        <p:nvCxnSpPr>
+          <p:cNvPr id="13" name="Straight Arrow Connector 12"/>
+          <p:cNvCxnSpPr/>
+          <p:nvPr/>
+        </p:nvCxnSpPr>
+        <p:spPr>
+          <a:xfrm>
+            <a:off x="8197368" y="1421979"/>
+            <a:ext cx="0" cy="197373"/>
+          </a:xfrm>
+          <a:prstGeom prst="straightConnector1">
+            <a:avLst/>
+          </a:prstGeom>
+          <a:ln w="19050">
+            <a:solidFill>
+              <a:srgbClr val="CC3300"/>
+            </a:solidFill>
+            <a:tailEnd type="triangle"/>
+          </a:ln>
+        </p:spPr>
+        <p:style>
+          <a:lnRef idx="1">
+            <a:schemeClr val="accent1"/>
+          </a:lnRef>
+          <a:fillRef idx="0">
+            <a:schemeClr val="accent1"/>
+          </a:fillRef>
+          <a:effectRef idx="0">
+            <a:schemeClr val="accent1"/>
+          </a:effectRef>
+          <a:fontRef idx="minor">
+            <a:schemeClr val="tx1"/>
+          </a:fontRef>
+        </p:style>
+      </p:cxnSp>
+      <p:sp>
+        <p:nvSpPr>
+          <p:cNvPr id="14" name="TextBox 13"/>
+          <p:cNvSpPr txBox="1"/>
+          <p:nvPr/>
+        </p:nvSpPr>
+        <p:spPr>
+          <a:xfrm>
+            <a:off x="3748095" y="740663"/>
+            <a:ext cx="1564569" cy="415498"/>
+          </a:xfrm>
+          <a:prstGeom prst="rect">
+            <a:avLst/>
+          </a:prstGeom>
+          <a:gradFill flip="none" rotWithShape="1">
+            <a:gsLst>
+              <a:gs pos="0">
+                <a:srgbClr val="CCFFCC">
+                  <a:shade val="30000"/>
+                  <a:satMod val="115000"/>
+                </a:srgbClr>
+              </a:gs>
+              <a:gs pos="50000">
+                <a:srgbClr val="CCFFCC">
+                  <a:shade val="67500"/>
+                  <a:satMod val="115000"/>
+                </a:srgbClr>
+              </a:gs>
+              <a:gs pos="100000">
+                <a:srgbClr val="CCFFCC">
+                  <a:shade val="100000"/>
+                  <a:satMod val="115000"/>
+                </a:srgbClr>
+              </a:gs>
+            </a:gsLst>
+            <a:lin ang="2700000" scaled="1"/>
+            <a:tileRect/>
+          </a:gradFill>
+          <a:ln>
+            <a:noFill/>
+          </a:ln>
+          <a:effectLst>
+            <a:outerShdw blurRad="107950" dist="12700" dir="5400000" algn="ctr">
+              <a:srgbClr val="000000"/>
+            </a:outerShdw>
+          </a:effectLst>
+          <a:scene3d>
+            <a:camera prst="orthographicFront">
+              <a:rot lat="0" lon="0" rev="0"/>
+            </a:camera>
+            <a:lightRig rig="soft" dir="t">
+              <a:rot lat="0" lon="0" rev="0"/>
+            </a:lightRig>
+          </a:scene3d>
+          <a:sp3d contourW="44450" prstMaterial="matte">
+            <a:bevelT w="63500" h="63500" prst="artDeco"/>
+            <a:contourClr>
+              <a:srgbClr val="FFFFFF"/>
+            </a:contourClr>
+          </a:sp3d>
+        </p:spPr>
+        <p:txBody>
+          <a:bodyPr wrap="square" lIns="0" tIns="0" rtlCol="0">
+            <a:spAutoFit/>
+          </a:bodyPr>
+          <a:lstStyle/>
+          <a:p>
+            <a:pPr algn="ctr"/>
+            <a:r>
+              <a:rPr lang="en-US" sz="1200" dirty="0"/>
+              <a:t>CARIN for Blue Button® Profile</a:t>
+            </a:r>
+          </a:p>
+        </p:txBody>
+      </p:sp>
+      <p:cxnSp>
+        <p:nvCxnSpPr>
+          <p:cNvPr id="15" name="Straight Arrow Connector 14"/>
+          <p:cNvCxnSpPr/>
+          <p:nvPr/>
+        </p:nvCxnSpPr>
+        <p:spPr>
+          <a:xfrm flipH="1">
+            <a:off x="4490977" y="1167735"/>
+            <a:ext cx="5773" cy="435359"/>
+          </a:xfrm>
+          <a:prstGeom prst="straightConnector1">
+            <a:avLst/>
+          </a:prstGeom>
+          <a:ln w="19050">
+            <a:solidFill>
+              <a:srgbClr val="008000"/>
+            </a:solidFill>
+            <a:tailEnd type="triangle"/>
+          </a:ln>
+        </p:spPr>
+        <p:style>
+          <a:lnRef idx="1">
+            <a:schemeClr val="accent1"/>
+          </a:lnRef>
+          <a:fillRef idx="0">
+            <a:schemeClr val="accent1"/>
+          </a:fillRef>
+          <a:effectRef idx="0">
+            <a:schemeClr val="accent1"/>
+          </a:effectRef>
+          <a:fontRef idx="minor">
+            <a:schemeClr val="tx1"/>
+          </a:fontRef>
+        </p:style>
+      </p:cxnSp>
+      <p:sp>
+        <p:nvSpPr>
+          <p:cNvPr id="16" name="TextBox 15"/>
+          <p:cNvSpPr txBox="1"/>
+          <p:nvPr/>
+        </p:nvSpPr>
+        <p:spPr>
+          <a:xfrm>
+            <a:off x="5372591" y="1125483"/>
+            <a:ext cx="1904752" cy="230832"/>
+          </a:xfrm>
+          <a:prstGeom prst="rect">
+            <a:avLst/>
+          </a:prstGeom>
+          <a:solidFill>
+            <a:srgbClr val="FF9966"/>
+          </a:solidFill>
+          <a:ln>
+            <a:noFill/>
+          </a:ln>
+          <a:effectLst>
+            <a:outerShdw blurRad="107950" dist="12700" dir="5400000" algn="ctr">
+              <a:srgbClr val="000000"/>
+            </a:outerShdw>
+          </a:effectLst>
+          <a:scene3d>
+            <a:camera prst="orthographicFront">
+              <a:rot lat="0" lon="0" rev="0"/>
+            </a:camera>
+            <a:lightRig rig="soft" dir="t">
+              <a:rot lat="0" lon="0" rev="0"/>
+            </a:lightRig>
+          </a:scene3d>
+          <a:sp3d contourW="44450" prstMaterial="matte">
+            <a:bevelT w="63500" h="63500" prst="artDeco"/>
+            <a:contourClr>
+              <a:srgbClr val="FFFFFF"/>
+            </a:contourClr>
+          </a:sp3d>
+        </p:spPr>
+        <p:txBody>
+          <a:bodyPr wrap="square" lIns="0" tIns="0" rtlCol="0">
+            <a:spAutoFit/>
+          </a:bodyPr>
+          <a:lstStyle/>
+          <a:p>
+            <a:pPr algn="ctr"/>
+            <a:r>
+              <a:rPr lang="en-US" sz="1200" dirty="0">
+                <a:solidFill>
+                  <a:srgbClr val="C00000"/>
+                </a:solidFill>
+              </a:rPr>
+              <a:t>Cell Location in Profile Tab</a:t>
+            </a:r>
+          </a:p>
+        </p:txBody>
+      </p:sp>
+      <p:cxnSp>
+        <p:nvCxnSpPr>
+          <p:cNvPr id="17" name="Straight Arrow Connector 16"/>
+          <p:cNvCxnSpPr/>
+          <p:nvPr/>
+        </p:nvCxnSpPr>
+        <p:spPr>
+          <a:xfrm flipH="1">
+            <a:off x="4221836" y="1238583"/>
+            <a:ext cx="1107717" cy="188636"/>
+          </a:xfrm>
+          <a:prstGeom prst="straightConnector1">
+            <a:avLst/>
+          </a:prstGeom>
+          <a:ln w="19050">
+            <a:solidFill>
+              <a:srgbClr val="CC3300"/>
+            </a:solidFill>
+            <a:tailEnd type="triangle"/>
+          </a:ln>
+        </p:spPr>
+        <p:style>
+          <a:lnRef idx="1">
+            <a:schemeClr val="accent1"/>
+          </a:lnRef>
+          <a:fillRef idx="0">
+            <a:schemeClr val="accent1"/>
+          </a:fillRef>
+          <a:effectRef idx="0">
+            <a:schemeClr val="accent1"/>
+          </a:effectRef>
+          <a:fontRef idx="minor">
+            <a:schemeClr val="tx1"/>
+          </a:fontRef>
+        </p:style>
+      </p:cxnSp>
+      <p:cxnSp>
+        <p:nvCxnSpPr>
+          <p:cNvPr id="18" name="Straight Arrow Connector 17"/>
+          <p:cNvCxnSpPr/>
+          <p:nvPr/>
+        </p:nvCxnSpPr>
+        <p:spPr>
+          <a:xfrm>
+            <a:off x="399162" y="1249328"/>
+            <a:ext cx="0" cy="286266"/>
+          </a:xfrm>
+          <a:prstGeom prst="straightConnector1">
+            <a:avLst/>
+          </a:prstGeom>
+          <a:ln w="19050">
+            <a:solidFill>
+              <a:srgbClr val="486024"/>
+            </a:solidFill>
+            <a:tailEnd type="triangle"/>
+          </a:ln>
+        </p:spPr>
+        <p:style>
+          <a:lnRef idx="1">
+            <a:schemeClr val="accent1"/>
+          </a:lnRef>
+          <a:fillRef idx="0">
+            <a:schemeClr val="accent1"/>
+          </a:fillRef>
+          <a:effectRef idx="0">
+            <a:schemeClr val="accent1"/>
+          </a:effectRef>
+          <a:fontRef idx="minor">
+            <a:schemeClr val="tx1"/>
+          </a:fontRef>
+        </p:style>
+      </p:cxnSp>
+      <p:sp>
+        <p:nvSpPr>
+          <p:cNvPr id="20" name="TextBox 19"/>
+          <p:cNvSpPr txBox="1"/>
+          <p:nvPr/>
+        </p:nvSpPr>
+        <p:spPr>
+          <a:xfrm>
+            <a:off x="182273" y="1059116"/>
+            <a:ext cx="544380" cy="230832"/>
+          </a:xfrm>
+          <a:prstGeom prst="rect">
+            <a:avLst/>
+          </a:prstGeom>
+          <a:solidFill>
+            <a:srgbClr val="CCFFFF"/>
+          </a:solidFill>
+          <a:ln>
+            <a:noFill/>
+          </a:ln>
+          <a:effectLst>
+            <a:outerShdw blurRad="107950" dist="12700" dir="5400000" algn="ctr">
+              <a:srgbClr val="000000"/>
+            </a:outerShdw>
+          </a:effectLst>
+          <a:scene3d>
+            <a:camera prst="orthographicFront">
+              <a:rot lat="0" lon="0" rev="0"/>
+            </a:camera>
+            <a:lightRig rig="soft" dir="t">
+              <a:rot lat="0" lon="0" rev="0"/>
+            </a:lightRig>
+          </a:scene3d>
+          <a:sp3d contourW="44450" prstMaterial="matte">
+            <a:bevelT w="63500" h="63500" prst="artDeco"/>
+            <a:contourClr>
+              <a:srgbClr val="FFFFFF"/>
+            </a:contourClr>
+          </a:sp3d>
+        </p:spPr>
+        <p:txBody>
+          <a:bodyPr wrap="none" lIns="0" tIns="0" rtlCol="0">
+            <a:spAutoFit/>
+          </a:bodyPr>
+          <a:lstStyle/>
+          <a:p>
+            <a:pPr algn="ctr"/>
+            <a:r>
+              <a:rPr lang="en-US" sz="1200" dirty="0">
+                <a:solidFill>
+                  <a:srgbClr val="008000"/>
+                </a:solidFill>
+              </a:rPr>
+              <a:t>MapID</a:t>
+            </a:r>
+          </a:p>
+        </p:txBody>
+      </p:sp>
+      <p:sp>
+        <p:nvSpPr>
+          <p:cNvPr id="22" name="TextBox 21"/>
+          <p:cNvSpPr txBox="1"/>
+          <p:nvPr/>
+        </p:nvSpPr>
+        <p:spPr>
+          <a:xfrm>
+            <a:off x="3450490" y="4502237"/>
+            <a:ext cx="636552" cy="230832"/>
+          </a:xfrm>
+          <a:prstGeom prst="rect">
+            <a:avLst/>
+          </a:prstGeom>
+          <a:solidFill>
+            <a:srgbClr val="CCFFFF"/>
+          </a:solidFill>
+          <a:ln>
+            <a:noFill/>
+          </a:ln>
+          <a:effectLst>
+            <a:outerShdw blurRad="107950" dist="12700" dir="5400000" algn="ctr">
+              <a:srgbClr val="000000"/>
+            </a:outerShdw>
+          </a:effectLst>
+          <a:scene3d>
+            <a:camera prst="orthographicFront">
+              <a:rot lat="0" lon="0" rev="0"/>
+            </a:camera>
+            <a:lightRig rig="soft" dir="t">
+              <a:rot lat="0" lon="0" rev="0"/>
+            </a:lightRig>
+          </a:scene3d>
+          <a:sp3d contourW="44450" prstMaterial="matte">
+            <a:bevelT w="63500" h="63500" prst="artDeco"/>
+            <a:contourClr>
+              <a:srgbClr val="FFFFFF"/>
+            </a:contourClr>
+          </a:sp3d>
+        </p:spPr>
+        <p:txBody>
+          <a:bodyPr wrap="square" lIns="0" tIns="0" rtlCol="0">
+            <a:spAutoFit/>
+          </a:bodyPr>
+          <a:lstStyle/>
+          <a:p>
+            <a:pPr algn="ctr"/>
+            <a:r>
+              <a:rPr lang="en-US" sz="1200" dirty="0">
+                <a:solidFill>
+                  <a:srgbClr val="008000"/>
+                </a:solidFill>
+              </a:rPr>
+              <a:t>Profiles</a:t>
+            </a:r>
+          </a:p>
+        </p:txBody>
+      </p:sp>
+      <p:cxnSp>
+        <p:nvCxnSpPr>
+          <p:cNvPr id="23" name="Straight Arrow Connector 22"/>
+          <p:cNvCxnSpPr/>
+          <p:nvPr/>
+        </p:nvCxnSpPr>
+        <p:spPr>
+          <a:xfrm flipH="1">
+            <a:off x="2873132" y="4617653"/>
+            <a:ext cx="529652" cy="165501"/>
+          </a:xfrm>
+          <a:prstGeom prst="straightConnector1">
+            <a:avLst/>
+          </a:prstGeom>
+          <a:ln w="19050">
+            <a:solidFill>
+              <a:srgbClr val="486024"/>
+            </a:solidFill>
+            <a:tailEnd type="triangle"/>
+          </a:ln>
+        </p:spPr>
+        <p:style>
+          <a:lnRef idx="1">
+            <a:schemeClr val="accent1"/>
+          </a:lnRef>
+          <a:fillRef idx="0">
+            <a:schemeClr val="accent1"/>
+          </a:fillRef>
+          <a:effectRef idx="0">
+            <a:schemeClr val="accent1"/>
+          </a:effectRef>
+          <a:fontRef idx="minor">
+            <a:schemeClr val="tx1"/>
+          </a:fontRef>
+        </p:style>
+      </p:cxnSp>
+      <p:cxnSp>
+        <p:nvCxnSpPr>
+          <p:cNvPr id="24" name="Straight Arrow Connector 23"/>
+          <p:cNvCxnSpPr/>
+          <p:nvPr/>
+        </p:nvCxnSpPr>
+        <p:spPr>
+          <a:xfrm>
+            <a:off x="4096819" y="4579110"/>
+            <a:ext cx="1677470" cy="165501"/>
+          </a:xfrm>
+          <a:prstGeom prst="straightConnector1">
+            <a:avLst/>
+          </a:prstGeom>
+          <a:ln w="19050">
+            <a:solidFill>
+              <a:srgbClr val="486024"/>
+            </a:solidFill>
+            <a:tailEnd type="triangle"/>
+          </a:ln>
+        </p:spPr>
+        <p:style>
+          <a:lnRef idx="1">
+            <a:schemeClr val="accent1"/>
+          </a:lnRef>
+          <a:fillRef idx="0">
+            <a:schemeClr val="accent1"/>
+          </a:fillRef>
+          <a:effectRef idx="0">
+            <a:schemeClr val="accent1"/>
+          </a:effectRef>
+          <a:fontRef idx="minor">
+            <a:schemeClr val="tx1"/>
+          </a:fontRef>
+        </p:style>
+      </p:cxnSp>
+      <p:sp>
+        <p:nvSpPr>
+          <p:cNvPr id="25" name="TextBox 24"/>
+          <p:cNvSpPr txBox="1"/>
+          <p:nvPr/>
+        </p:nvSpPr>
+        <p:spPr>
+          <a:xfrm>
+            <a:off x="50318" y="2738491"/>
+            <a:ext cx="611707" cy="230832"/>
+          </a:xfrm>
+          <a:prstGeom prst="rect">
+            <a:avLst/>
+          </a:prstGeom>
+          <a:solidFill>
+            <a:srgbClr val="CCFFFF"/>
+          </a:solidFill>
+          <a:ln>
+            <a:noFill/>
+          </a:ln>
+          <a:effectLst>
+            <a:outerShdw blurRad="107950" dist="12700" dir="5400000" algn="ctr">
+              <a:srgbClr val="000000"/>
+            </a:outerShdw>
+          </a:effectLst>
+          <a:scene3d>
+            <a:camera prst="orthographicFront">
+              <a:rot lat="0" lon="0" rev="0"/>
+            </a:camera>
+            <a:lightRig rig="soft" dir="t">
+              <a:rot lat="0" lon="0" rev="0"/>
+            </a:lightRig>
+          </a:scene3d>
+          <a:sp3d contourW="44450" prstMaterial="matte">
+            <a:bevelT w="63500" h="63500" prst="artDeco"/>
+            <a:contourClr>
+              <a:srgbClr val="FFFFFF"/>
+            </a:contourClr>
+          </a:sp3d>
+        </p:spPr>
+        <p:txBody>
+          <a:bodyPr wrap="none" lIns="0" tIns="0" rtlCol="0">
+            <a:spAutoFit/>
+          </a:bodyPr>
+          <a:lstStyle/>
+          <a:p>
+            <a:pPr algn="ctr"/>
+            <a:r>
+              <a:rPr lang="en-US" sz="1200" dirty="0">
+                <a:solidFill>
+                  <a:srgbClr val="008000"/>
+                </a:solidFill>
+              </a:rPr>
+              <a:t>Row 29</a:t>
+            </a:r>
+          </a:p>
+        </p:txBody>
+      </p:sp>
+    </p:spTree>
+    <p:extLst>
+      <p:ext uri="{BB962C8B-B14F-4D97-AF65-F5344CB8AC3E}">
+        <p14:creationId xmlns:p14="http://schemas.microsoft.com/office/powerpoint/2010/main" val="2421107156"/>
+      </p:ext>
+    </p:extLst>
+  </p:cSld>
+  <p:clrMapOvr>
+    <a:masterClrMapping/>
+  </p:clrMapOvr>
+</p:sld>
+</file>
+
+<file path=ppt/slides/slide2.xml><?xml version="1.0" encoding="utf-8"?>
+<p:sld xmlns:a="http://schemas.openxmlformats.org/drawingml/2006/main" xmlns:r="http://schemas.openxmlformats.org/officeDocument/2006/relationships" xmlns:p="http://schemas.openxmlformats.org/presentationml/2006/main">
+  <p:cSld>
+    <p:spTree>
+      <p:nvGrpSpPr>
+        <p:cNvPr id="1" name=""/>
+        <p:cNvGrpSpPr/>
+        <p:nvPr/>
+      </p:nvGrpSpPr>
+      <p:grpSpPr>
+        <a:xfrm>
+          <a:off x="0" y="0"/>
+          <a:ext cx="0" cy="0"/>
+          <a:chOff x="0" y="0"/>
+          <a:chExt cx="0" cy="0"/>
+        </a:xfrm>
+      </p:grpSpPr>
+      <p:pic>
+        <p:nvPicPr>
+          <p:cNvPr id="4" name="Picture 3"/>
+          <p:cNvPicPr>
+            <a:picLocks noChangeAspect="1"/>
+          </p:cNvPicPr>
+          <p:nvPr/>
+        </p:nvPicPr>
+        <p:blipFill rotWithShape="1">
+          <a:blip r:embed="rId3"/>
+          <a:srcRect t="26112" r="17778" b="9320"/>
+          <a:stretch/>
+        </p:blipFill>
+        <p:spPr>
+          <a:xfrm>
+            <a:off x="1" y="1023017"/>
+            <a:ext cx="9144000" cy="3625183"/>
+          </a:xfrm>
+          <a:prstGeom prst="rect">
+            <a:avLst/>
+          </a:prstGeom>
+        </p:spPr>
+      </p:pic>
+      <p:sp>
+        <p:nvSpPr>
+          <p:cNvPr id="26" name="Title 1">
+            <a:extLst>
+              <a:ext uri="{FF2B5EF4-FFF2-40B4-BE49-F238E27FC236}">
+                <a16:creationId xmlns:a16="http://schemas.microsoft.com/office/drawing/2014/main" id="{9BD03358-C736-4C1A-8E91-843C37ADF1DB}"/>
+              </a:ext>
+            </a:extLst>
+          </p:cNvPr>
+          <p:cNvSpPr>
+            <a:spLocks noGrp="1"/>
+          </p:cNvSpPr>
+          <p:nvPr>
+            <p:ph type="title"/>
+          </p:nvPr>
+        </p:nvSpPr>
+        <p:spPr>
+          <a:xfrm>
+            <a:off x="613647" y="205979"/>
+            <a:ext cx="7594688" cy="782327"/>
+          </a:xfrm>
+        </p:spPr>
+        <p:txBody>
+          <a:bodyPr/>
+          <a:lstStyle/>
+          <a:p>
+            <a:r>
+              <a:rPr lang="en-US" sz="1800" dirty="0"/>
+              <a:t>Mapping Worksheet </a:t>
+            </a:r>
+            <a:r>
+              <a:rPr lang="en-US" sz="1600" dirty="0"/>
+              <a:t>|  </a:t>
+            </a:r>
+            <a:r>
+              <a:rPr lang="en-US" sz="1200" dirty="0"/>
+              <a:t>Many CPCDS data elements are not on all profiles.  To identify the CPCDS data elements applicable to a specific Profile,  payers may filter on the CARIN for BB FHIR Profile, column E, selecting the desired profile</a:t>
+            </a:r>
+            <a:endParaRPr lang="en-US" altLang="en-US" sz="1200" dirty="0"/>
+          </a:p>
+        </p:txBody>
+      </p:sp>
+      <p:sp>
+        <p:nvSpPr>
+          <p:cNvPr id="27" name="Footer Placeholder 3">
             <a:extLst>
               <a:ext uri="{FF2B5EF4-FFF2-40B4-BE49-F238E27FC236}">
                 <a16:creationId xmlns:a16="http://schemas.microsoft.com/office/drawing/2014/main" id="{62AFA8FB-2E5A-4324-ADD7-1326236DA958}"/>
@@ -6750,7 +7814,12 @@
             <p:ph type="ftr" sz="quarter" idx="10"/>
           </p:nvPr>
         </p:nvSpPr>
-        <p:spPr/>
+        <p:spPr>
+          <a:xfrm>
+            <a:off x="1200150" y="4792663"/>
+            <a:ext cx="4530725" cy="158750"/>
+          </a:xfrm>
+        </p:spPr>
         <p:txBody>
           <a:bodyPr/>
           <a:lstStyle>
@@ -6862,76 +7931,15 @@
           </a:lstStyle>
           <a:p>
             <a:r>
-              <a:rPr lang="en-US" altLang="en-US" dirty="0"/>
+              <a:rPr lang="en-US" altLang="en-US"/>
               <a:t>© 2019 Health Level Seven ® International. Licensed under Creative Commons Attribution 4.0 International HL7, Health Level Seven, FHIR and the FHIR flame logo are registered trademarks of Health Level Seven International. Reg. U.S. TM Office.</a:t>
             </a:r>
-          </a:p>
-        </p:txBody>
-      </p:sp>
-      <p:pic>
-        <p:nvPicPr>
-          <p:cNvPr id="22" name="Picture 21"/>
-          <p:cNvPicPr>
-            <a:picLocks noChangeAspect="1"/>
-          </p:cNvPicPr>
-          <p:nvPr/>
-        </p:nvPicPr>
-        <p:blipFill rotWithShape="1">
-          <a:blip r:embed="rId3"/>
-          <a:srcRect t="21049" r="7084" b="8457"/>
-          <a:stretch/>
-        </p:blipFill>
-        <p:spPr>
-          <a:xfrm>
-            <a:off x="1" y="1252376"/>
-            <a:ext cx="9162394" cy="3331312"/>
-          </a:xfrm>
-          <a:prstGeom prst="rect">
-            <a:avLst/>
-          </a:prstGeom>
-        </p:spPr>
-      </p:pic>
-      <p:sp>
-        <p:nvSpPr>
-          <p:cNvPr id="15361" name="Title 1">
-            <a:extLst>
-              <a:ext uri="{FF2B5EF4-FFF2-40B4-BE49-F238E27FC236}">
-                <a16:creationId xmlns:a16="http://schemas.microsoft.com/office/drawing/2014/main" id="{9BD03358-C736-4C1A-8E91-843C37ADF1DB}"/>
-              </a:ext>
-            </a:extLst>
-          </p:cNvPr>
-          <p:cNvSpPr>
-            <a:spLocks noGrp="1"/>
-          </p:cNvSpPr>
-          <p:nvPr>
-            <p:ph type="title"/>
-          </p:nvPr>
-        </p:nvSpPr>
-        <p:spPr>
-          <a:xfrm>
-            <a:off x="613647" y="35864"/>
-            <a:ext cx="8229600" cy="782327"/>
-          </a:xfrm>
-        </p:spPr>
-        <p:txBody>
-          <a:bodyPr/>
-          <a:lstStyle/>
-          <a:p>
-            <a:r>
-              <a:rPr lang="en-US" sz="1800" dirty="0"/>
-              <a:t>Mapping Worksheet |  </a:t>
-            </a:r>
-            <a:r>
-              <a:rPr lang="en-US" sz="1200" dirty="0"/>
-              <a:t>The Data Element Index maps CARIN CPCDS data elements to FHIR Resources; Each row  maps to one of the profiles </a:t>
-            </a:r>
-            <a:endParaRPr lang="en-US" altLang="en-US" sz="1800" dirty="0"/>
           </a:p>
         </p:txBody>
       </p:sp>
       <p:sp>
         <p:nvSpPr>
-          <p:cNvPr id="15364" name="Slide Number Placeholder 4">
+          <p:cNvPr id="28" name="Slide Number Placeholder 4">
             <a:extLst>
               <a:ext uri="{FF2B5EF4-FFF2-40B4-BE49-F238E27FC236}">
                 <a16:creationId xmlns:a16="http://schemas.microsoft.com/office/drawing/2014/main" id="{2EEC91F9-0B4D-4914-992D-9AA65CF32774}"/>
@@ -6945,7 +7953,12 @@
             <p:ph type="sldNum" sz="quarter" idx="11"/>
           </p:nvPr>
         </p:nvSpPr>
-        <p:spPr/>
+        <p:spPr>
+          <a:xfrm>
+            <a:off x="7662862" y="4808560"/>
+            <a:ext cx="271463" cy="158750"/>
+          </a:xfrm>
+        </p:spPr>
         <p:txBody>
           <a:bodyPr/>
           <a:lstStyle>
@@ -7059,58 +8072,28 @@
             <a:fld id="{A6B490F0-9F17-4BC8-B7C0-FB1407BB346B}" type="slidenum">
               <a:rPr lang="en-US" altLang="en-US"/>
               <a:pPr/>
-              <a:t>1</a:t>
+              <a:t>2</a:t>
             </a:fld>
             <a:endParaRPr lang="en-US" altLang="en-US"/>
           </a:p>
         </p:txBody>
       </p:sp>
-      <p:cxnSp>
-        <p:nvCxnSpPr>
-          <p:cNvPr id="8" name="Straight Arrow Connector 7"/>
-          <p:cNvCxnSpPr/>
-          <p:nvPr/>
-        </p:nvCxnSpPr>
-        <p:spPr>
-          <a:xfrm>
-            <a:off x="2309759" y="992746"/>
-            <a:ext cx="1481" cy="542848"/>
-          </a:xfrm>
-          <a:prstGeom prst="straightConnector1">
-            <a:avLst/>
-          </a:prstGeom>
-          <a:ln w="19050">
-            <a:solidFill>
-              <a:srgbClr val="008000"/>
-            </a:solidFill>
-            <a:tailEnd type="triangle"/>
-          </a:ln>
-        </p:spPr>
-        <p:style>
-          <a:lnRef idx="1">
-            <a:schemeClr val="accent1"/>
-          </a:lnRef>
-          <a:fillRef idx="0">
-            <a:schemeClr val="accent1"/>
-          </a:fillRef>
-          <a:effectRef idx="0">
-            <a:schemeClr val="accent1"/>
-          </a:effectRef>
-          <a:fontRef idx="minor">
-            <a:schemeClr val="tx1"/>
-          </a:fontRef>
-        </p:style>
-      </p:cxnSp>
       <p:sp>
         <p:nvSpPr>
-          <p:cNvPr id="7" name="TextBox 6"/>
+          <p:cNvPr id="29" name="TextBox 28">
+            <a:extLst>
+              <a:ext uri="{FF2B5EF4-FFF2-40B4-BE49-F238E27FC236}">
+                <a16:creationId xmlns:a16="http://schemas.microsoft.com/office/drawing/2014/main" id="{9A635E79-59E4-4900-A4DF-C7856CEF6631}"/>
+              </a:ext>
+            </a:extLst>
+          </p:cNvPr>
           <p:cNvSpPr txBox="1"/>
           <p:nvPr/>
         </p:nvSpPr>
         <p:spPr>
           <a:xfrm>
-            <a:off x="1417674" y="864656"/>
-            <a:ext cx="1787133" cy="230832"/>
+            <a:off x="4273844" y="812951"/>
+            <a:ext cx="1918612" cy="184666"/>
           </a:xfrm>
           <a:prstGeom prst="rect">
             <a:avLst/>
@@ -7170,98 +8153,47 @@
           <a:p>
             <a:pPr algn="ctr"/>
             <a:r>
-              <a:rPr lang="en-US" sz="1200" dirty="0"/>
-              <a:t>CARIN Data Elements</a:t>
-            </a:r>
-          </a:p>
-        </p:txBody>
-      </p:sp>
-      <p:sp>
-        <p:nvSpPr>
-          <p:cNvPr id="9" name="TextBox 8"/>
-          <p:cNvSpPr txBox="1"/>
-          <p:nvPr/>
-        </p:nvSpPr>
-        <p:spPr>
-          <a:xfrm>
-            <a:off x="7191268" y="655681"/>
-            <a:ext cx="1780296" cy="230832"/>
-          </a:xfrm>
-          <a:prstGeom prst="rect">
-            <a:avLst/>
-          </a:prstGeom>
-          <a:solidFill>
-            <a:srgbClr val="FF9966"/>
-          </a:solidFill>
-          <a:ln>
-            <a:noFill/>
-          </a:ln>
-          <a:effectLst>
-            <a:outerShdw blurRad="107950" dist="12700" dir="5400000" algn="ctr">
-              <a:srgbClr val="000000"/>
-            </a:outerShdw>
-          </a:effectLst>
-          <a:scene3d>
-            <a:camera prst="orthographicFront">
-              <a:rot lat="0" lon="0" rev="0"/>
-            </a:camera>
-            <a:lightRig rig="soft" dir="t">
-              <a:rot lat="0" lon="0" rev="0"/>
-            </a:lightRig>
-          </a:scene3d>
-          <a:sp3d contourW="44450" prstMaterial="matte">
-            <a:bevelT w="63500" h="63500" prst="artDeco"/>
-            <a:contourClr>
-              <a:srgbClr val="FFFFFF"/>
-            </a:contourClr>
-          </a:sp3d>
-        </p:spPr>
-        <p:txBody>
-          <a:bodyPr wrap="none" lIns="0" tIns="0" rtlCol="0">
-            <a:spAutoFit/>
-          </a:bodyPr>
-          <a:lstStyle/>
-          <a:p>
-            <a:r>
-              <a:rPr lang="en-US" sz="1200" dirty="0">
-                <a:solidFill>
-                  <a:srgbClr val="C00000"/>
-                </a:solidFill>
-              </a:rPr>
-              <a:t>FHIR Resource Mapping</a:t>
+              <a:rPr lang="en-US" sz="900" dirty="0"/>
+              <a:t>Filter on EOB Inpatient Institutional</a:t>
             </a:r>
           </a:p>
         </p:txBody>
       </p:sp>
       <p:cxnSp>
         <p:nvCxnSpPr>
-          <p:cNvPr id="10" name="Straight Arrow Connector 9"/>
+          <p:cNvPr id="30" name="Straight Arrow Connector 29">
+            <a:extLst>
+              <a:ext uri="{FF2B5EF4-FFF2-40B4-BE49-F238E27FC236}">
+                <a16:creationId xmlns:a16="http://schemas.microsoft.com/office/drawing/2014/main" id="{278A580A-E06A-4DBE-9337-0A2695E3BA91}"/>
+              </a:ext>
+            </a:extLst>
+          </p:cNvPr>
           <p:cNvCxnSpPr/>
           <p:nvPr/>
         </p:nvCxnSpPr>
         <p:spPr>
           <a:xfrm>
-            <a:off x="8197368" y="962713"/>
-            <a:ext cx="0" cy="213962"/>
+            <a:off x="4508262" y="1023017"/>
+            <a:ext cx="0" cy="232836"/>
           </a:xfrm>
           <a:prstGeom prst="straightConnector1">
             <a:avLst/>
           </a:prstGeom>
-          <a:ln w="19050">
+          <a:ln>
             <a:solidFill>
-              <a:srgbClr val="CC3300"/>
+              <a:srgbClr val="00B050"/>
             </a:solidFill>
             <a:tailEnd type="triangle"/>
           </a:ln>
         </p:spPr>
         <p:style>
-          <a:lnRef idx="1">
+          <a:lnRef idx="2">
             <a:schemeClr val="accent1"/>
           </a:lnRef>
           <a:fillRef idx="0">
             <a:schemeClr val="accent1"/>
           </a:fillRef>
-          <a:effectRef idx="0">
+          <a:effectRef idx="1">
             <a:schemeClr val="accent1"/>
           </a:effectRef>
           <a:fontRef idx="minor">
@@ -7269,497 +8201,10 @@
           </a:fontRef>
         </p:style>
       </p:cxnSp>
-      <p:sp>
-        <p:nvSpPr>
-          <p:cNvPr id="11" name="TextBox 10"/>
-          <p:cNvSpPr txBox="1"/>
-          <p:nvPr/>
-        </p:nvSpPr>
-        <p:spPr>
-          <a:xfrm>
-            <a:off x="3748095" y="636493"/>
-            <a:ext cx="1631984" cy="230832"/>
-          </a:xfrm>
-          <a:prstGeom prst="rect">
-            <a:avLst/>
-          </a:prstGeom>
-          <a:gradFill flip="none" rotWithShape="1">
-            <a:gsLst>
-              <a:gs pos="0">
-                <a:srgbClr val="CCFFCC">
-                  <a:shade val="30000"/>
-                  <a:satMod val="115000"/>
-                </a:srgbClr>
-              </a:gs>
-              <a:gs pos="50000">
-                <a:srgbClr val="CCFFCC">
-                  <a:shade val="67500"/>
-                  <a:satMod val="115000"/>
-                </a:srgbClr>
-              </a:gs>
-              <a:gs pos="100000">
-                <a:srgbClr val="CCFFCC">
-                  <a:shade val="100000"/>
-                  <a:satMod val="115000"/>
-                </a:srgbClr>
-              </a:gs>
-            </a:gsLst>
-            <a:lin ang="2700000" scaled="1"/>
-            <a:tileRect/>
-          </a:gradFill>
-          <a:ln>
-            <a:noFill/>
-          </a:ln>
-          <a:effectLst>
-            <a:outerShdw blurRad="107950" dist="12700" dir="5400000" algn="ctr">
-              <a:srgbClr val="000000"/>
-            </a:outerShdw>
-          </a:effectLst>
-          <a:scene3d>
-            <a:camera prst="orthographicFront">
-              <a:rot lat="0" lon="0" rev="0"/>
-            </a:camera>
-            <a:lightRig rig="soft" dir="t">
-              <a:rot lat="0" lon="0" rev="0"/>
-            </a:lightRig>
-          </a:scene3d>
-          <a:sp3d contourW="44450" prstMaterial="matte">
-            <a:bevelT w="63500" h="63500" prst="artDeco"/>
-            <a:contourClr>
-              <a:srgbClr val="FFFFFF"/>
-            </a:contourClr>
-          </a:sp3d>
-        </p:spPr>
-        <p:txBody>
-          <a:bodyPr wrap="square" lIns="0" tIns="0" rtlCol="0">
-            <a:spAutoFit/>
-          </a:bodyPr>
-          <a:lstStyle/>
-          <a:p>
-            <a:pPr algn="ctr"/>
-            <a:r>
-              <a:rPr lang="en-US" sz="1200" dirty="0"/>
-              <a:t>CARIN for BB Profile</a:t>
-            </a:r>
-          </a:p>
-        </p:txBody>
-      </p:sp>
-      <p:cxnSp>
-        <p:nvCxnSpPr>
-          <p:cNvPr id="12" name="Straight Arrow Connector 11"/>
-          <p:cNvCxnSpPr/>
-          <p:nvPr/>
-        </p:nvCxnSpPr>
-        <p:spPr>
-          <a:xfrm>
-            <a:off x="4564012" y="890409"/>
-            <a:ext cx="0" cy="286266"/>
-          </a:xfrm>
-          <a:prstGeom prst="straightConnector1">
-            <a:avLst/>
-          </a:prstGeom>
-          <a:ln w="19050">
-            <a:solidFill>
-              <a:srgbClr val="008000"/>
-            </a:solidFill>
-            <a:tailEnd type="triangle"/>
-          </a:ln>
-        </p:spPr>
-        <p:style>
-          <a:lnRef idx="1">
-            <a:schemeClr val="accent1"/>
-          </a:lnRef>
-          <a:fillRef idx="0">
-            <a:schemeClr val="accent1"/>
-          </a:fillRef>
-          <a:effectRef idx="0">
-            <a:schemeClr val="accent1"/>
-          </a:effectRef>
-          <a:fontRef idx="minor">
-            <a:schemeClr val="tx1"/>
-          </a:fontRef>
-        </p:style>
-      </p:cxnSp>
-      <p:sp>
-        <p:nvSpPr>
-          <p:cNvPr id="13" name="TextBox 12"/>
-          <p:cNvSpPr txBox="1"/>
-          <p:nvPr/>
-        </p:nvSpPr>
-        <p:spPr>
-          <a:xfrm>
-            <a:off x="5372591" y="1125483"/>
-            <a:ext cx="1904752" cy="230832"/>
-          </a:xfrm>
-          <a:prstGeom prst="rect">
-            <a:avLst/>
-          </a:prstGeom>
-          <a:solidFill>
-            <a:srgbClr val="FF9966"/>
-          </a:solidFill>
-          <a:ln>
-            <a:noFill/>
-          </a:ln>
-          <a:effectLst>
-            <a:outerShdw blurRad="107950" dist="12700" dir="5400000" algn="ctr">
-              <a:srgbClr val="000000"/>
-            </a:outerShdw>
-          </a:effectLst>
-          <a:scene3d>
-            <a:camera prst="orthographicFront">
-              <a:rot lat="0" lon="0" rev="0"/>
-            </a:camera>
-            <a:lightRig rig="soft" dir="t">
-              <a:rot lat="0" lon="0" rev="0"/>
-            </a:lightRig>
-          </a:scene3d>
-          <a:sp3d contourW="44450" prstMaterial="matte">
-            <a:bevelT w="63500" h="63500" prst="artDeco"/>
-            <a:contourClr>
-              <a:srgbClr val="FFFFFF"/>
-            </a:contourClr>
-          </a:sp3d>
-        </p:spPr>
-        <p:txBody>
-          <a:bodyPr wrap="square" lIns="0" tIns="0" rtlCol="0">
-            <a:spAutoFit/>
-          </a:bodyPr>
-          <a:lstStyle/>
-          <a:p>
-            <a:pPr algn="ctr"/>
-            <a:r>
-              <a:rPr lang="en-US" sz="1200" dirty="0">
-                <a:solidFill>
-                  <a:srgbClr val="C00000"/>
-                </a:solidFill>
-              </a:rPr>
-              <a:t>Cell Location in Profile Tab</a:t>
-            </a:r>
-          </a:p>
-        </p:txBody>
-      </p:sp>
-      <p:cxnSp>
-        <p:nvCxnSpPr>
-          <p:cNvPr id="14" name="Straight Arrow Connector 13"/>
-          <p:cNvCxnSpPr/>
-          <p:nvPr/>
-        </p:nvCxnSpPr>
-        <p:spPr>
-          <a:xfrm flipH="1">
-            <a:off x="3748095" y="1227009"/>
-            <a:ext cx="1581457" cy="129306"/>
-          </a:xfrm>
-          <a:prstGeom prst="straightConnector1">
-            <a:avLst/>
-          </a:prstGeom>
-          <a:ln w="19050">
-            <a:solidFill>
-              <a:srgbClr val="CC3300"/>
-            </a:solidFill>
-            <a:tailEnd type="triangle"/>
-          </a:ln>
-        </p:spPr>
-        <p:style>
-          <a:lnRef idx="1">
-            <a:schemeClr val="accent1"/>
-          </a:lnRef>
-          <a:fillRef idx="0">
-            <a:schemeClr val="accent1"/>
-          </a:fillRef>
-          <a:effectRef idx="0">
-            <a:schemeClr val="accent1"/>
-          </a:effectRef>
-          <a:fontRef idx="minor">
-            <a:schemeClr val="tx1"/>
-          </a:fontRef>
-        </p:style>
-      </p:cxnSp>
-      <p:cxnSp>
-        <p:nvCxnSpPr>
-          <p:cNvPr id="16" name="Straight Arrow Connector 15"/>
-          <p:cNvCxnSpPr/>
-          <p:nvPr/>
-        </p:nvCxnSpPr>
-        <p:spPr>
-          <a:xfrm>
-            <a:off x="399162" y="1249328"/>
-            <a:ext cx="0" cy="286266"/>
-          </a:xfrm>
-          <a:prstGeom prst="straightConnector1">
-            <a:avLst/>
-          </a:prstGeom>
-          <a:ln w="19050">
-            <a:solidFill>
-              <a:srgbClr val="486024"/>
-            </a:solidFill>
-            <a:tailEnd type="triangle"/>
-          </a:ln>
-        </p:spPr>
-        <p:style>
-          <a:lnRef idx="1">
-            <a:schemeClr val="accent1"/>
-          </a:lnRef>
-          <a:fillRef idx="0">
-            <a:schemeClr val="accent1"/>
-          </a:fillRef>
-          <a:effectRef idx="0">
-            <a:schemeClr val="accent1"/>
-          </a:effectRef>
-          <a:fontRef idx="minor">
-            <a:schemeClr val="tx1"/>
-          </a:fontRef>
-        </p:style>
-      </p:cxnSp>
-      <p:sp>
-        <p:nvSpPr>
-          <p:cNvPr id="15" name="TextBox 14"/>
-          <p:cNvSpPr txBox="1"/>
-          <p:nvPr/>
-        </p:nvSpPr>
-        <p:spPr>
-          <a:xfrm>
-            <a:off x="182273" y="1059116"/>
-            <a:ext cx="544380" cy="230832"/>
-          </a:xfrm>
-          <a:prstGeom prst="rect">
-            <a:avLst/>
-          </a:prstGeom>
-          <a:solidFill>
-            <a:srgbClr val="CCFFFF"/>
-          </a:solidFill>
-          <a:ln>
-            <a:noFill/>
-          </a:ln>
-          <a:effectLst>
-            <a:outerShdw blurRad="107950" dist="12700" dir="5400000" algn="ctr">
-              <a:srgbClr val="000000"/>
-            </a:outerShdw>
-          </a:effectLst>
-          <a:scene3d>
-            <a:camera prst="orthographicFront">
-              <a:rot lat="0" lon="0" rev="0"/>
-            </a:camera>
-            <a:lightRig rig="soft" dir="t">
-              <a:rot lat="0" lon="0" rev="0"/>
-            </a:lightRig>
-          </a:scene3d>
-          <a:sp3d contourW="44450" prstMaterial="matte">
-            <a:bevelT w="63500" h="63500" prst="artDeco"/>
-            <a:contourClr>
-              <a:srgbClr val="FFFFFF"/>
-            </a:contourClr>
-          </a:sp3d>
-        </p:spPr>
-        <p:txBody>
-          <a:bodyPr wrap="none" lIns="0" tIns="0" rtlCol="0">
-            <a:spAutoFit/>
-          </a:bodyPr>
-          <a:lstStyle/>
-          <a:p>
-            <a:pPr algn="ctr"/>
-            <a:r>
-              <a:rPr lang="en-US" sz="1200" dirty="0">
-                <a:solidFill>
-                  <a:srgbClr val="008000"/>
-                </a:solidFill>
-              </a:rPr>
-              <a:t>MapID</a:t>
-            </a:r>
-          </a:p>
-        </p:txBody>
-      </p:sp>
-      <p:sp>
-        <p:nvSpPr>
-          <p:cNvPr id="17" name="TextBox 16"/>
-          <p:cNvSpPr txBox="1"/>
-          <p:nvPr/>
-        </p:nvSpPr>
-        <p:spPr>
-          <a:xfrm>
-            <a:off x="2840892" y="4091114"/>
-            <a:ext cx="636552" cy="230832"/>
-          </a:xfrm>
-          <a:prstGeom prst="rect">
-            <a:avLst/>
-          </a:prstGeom>
-          <a:solidFill>
-            <a:srgbClr val="CCFFFF"/>
-          </a:solidFill>
-          <a:ln>
-            <a:noFill/>
-          </a:ln>
-          <a:effectLst>
-            <a:outerShdw blurRad="107950" dist="12700" dir="5400000" algn="ctr">
-              <a:srgbClr val="000000"/>
-            </a:outerShdw>
-          </a:effectLst>
-          <a:scene3d>
-            <a:camera prst="orthographicFront">
-              <a:rot lat="0" lon="0" rev="0"/>
-            </a:camera>
-            <a:lightRig rig="soft" dir="t">
-              <a:rot lat="0" lon="0" rev="0"/>
-            </a:lightRig>
-          </a:scene3d>
-          <a:sp3d contourW="44450" prstMaterial="matte">
-            <a:bevelT w="63500" h="63500" prst="artDeco"/>
-            <a:contourClr>
-              <a:srgbClr val="FFFFFF"/>
-            </a:contourClr>
-          </a:sp3d>
-        </p:spPr>
-        <p:txBody>
-          <a:bodyPr wrap="square" lIns="0" tIns="0" rtlCol="0">
-            <a:spAutoFit/>
-          </a:bodyPr>
-          <a:lstStyle/>
-          <a:p>
-            <a:pPr algn="ctr"/>
-            <a:r>
-              <a:rPr lang="en-US" sz="1200" dirty="0">
-                <a:solidFill>
-                  <a:srgbClr val="008000"/>
-                </a:solidFill>
-              </a:rPr>
-              <a:t>Profiles</a:t>
-            </a:r>
-          </a:p>
-        </p:txBody>
-      </p:sp>
-      <p:cxnSp>
-        <p:nvCxnSpPr>
-          <p:cNvPr id="18" name="Straight Arrow Connector 17"/>
-          <p:cNvCxnSpPr/>
-          <p:nvPr/>
-        </p:nvCxnSpPr>
-        <p:spPr>
-          <a:xfrm flipH="1">
-            <a:off x="2263534" y="4206530"/>
-            <a:ext cx="529652" cy="165501"/>
-          </a:xfrm>
-          <a:prstGeom prst="straightConnector1">
-            <a:avLst/>
-          </a:prstGeom>
-          <a:ln w="19050">
-            <a:solidFill>
-              <a:srgbClr val="486024"/>
-            </a:solidFill>
-            <a:tailEnd type="triangle"/>
-          </a:ln>
-        </p:spPr>
-        <p:style>
-          <a:lnRef idx="1">
-            <a:schemeClr val="accent1"/>
-          </a:lnRef>
-          <a:fillRef idx="0">
-            <a:schemeClr val="accent1"/>
-          </a:fillRef>
-          <a:effectRef idx="0">
-            <a:schemeClr val="accent1"/>
-          </a:effectRef>
-          <a:fontRef idx="minor">
-            <a:schemeClr val="tx1"/>
-          </a:fontRef>
-        </p:style>
-      </p:cxnSp>
-      <p:cxnSp>
-        <p:nvCxnSpPr>
-          <p:cNvPr id="19" name="Straight Arrow Connector 18"/>
-          <p:cNvCxnSpPr/>
-          <p:nvPr/>
-        </p:nvCxnSpPr>
-        <p:spPr>
-          <a:xfrm>
-            <a:off x="3487221" y="4167987"/>
-            <a:ext cx="1677470" cy="165501"/>
-          </a:xfrm>
-          <a:prstGeom prst="straightConnector1">
-            <a:avLst/>
-          </a:prstGeom>
-          <a:ln w="19050">
-            <a:solidFill>
-              <a:srgbClr val="486024"/>
-            </a:solidFill>
-            <a:tailEnd type="triangle"/>
-          </a:ln>
-        </p:spPr>
-        <p:style>
-          <a:lnRef idx="1">
-            <a:schemeClr val="accent1"/>
-          </a:lnRef>
-          <a:fillRef idx="0">
-            <a:schemeClr val="accent1"/>
-          </a:fillRef>
-          <a:effectRef idx="0">
-            <a:schemeClr val="accent1"/>
-          </a:effectRef>
-          <a:fontRef idx="minor">
-            <a:schemeClr val="tx1"/>
-          </a:fontRef>
-        </p:style>
-      </p:cxnSp>
-      <p:sp>
-        <p:nvSpPr>
-          <p:cNvPr id="20" name="TextBox 19"/>
-          <p:cNvSpPr txBox="1"/>
-          <p:nvPr/>
-        </p:nvSpPr>
-        <p:spPr>
-          <a:xfrm>
-            <a:off x="50318" y="2603819"/>
-            <a:ext cx="611707" cy="230832"/>
-          </a:xfrm>
-          <a:prstGeom prst="rect">
-            <a:avLst/>
-          </a:prstGeom>
-          <a:solidFill>
-            <a:srgbClr val="CCFFFF"/>
-          </a:solidFill>
-          <a:ln>
-            <a:noFill/>
-          </a:ln>
-          <a:effectLst>
-            <a:outerShdw blurRad="107950" dist="12700" dir="5400000" algn="ctr">
-              <a:srgbClr val="000000"/>
-            </a:outerShdw>
-          </a:effectLst>
-          <a:scene3d>
-            <a:camera prst="orthographicFront">
-              <a:rot lat="0" lon="0" rev="0"/>
-            </a:camera>
-            <a:lightRig rig="soft" dir="t">
-              <a:rot lat="0" lon="0" rev="0"/>
-            </a:lightRig>
-          </a:scene3d>
-          <a:sp3d contourW="44450" prstMaterial="matte">
-            <a:bevelT w="63500" h="63500" prst="artDeco"/>
-            <a:contourClr>
-              <a:srgbClr val="FFFFFF"/>
-            </a:contourClr>
-          </a:sp3d>
-        </p:spPr>
-        <p:txBody>
-          <a:bodyPr wrap="none" lIns="0" tIns="0" rtlCol="0">
-            <a:spAutoFit/>
-          </a:bodyPr>
-          <a:lstStyle/>
-          <a:p>
-            <a:pPr algn="ctr"/>
-            <a:r>
-              <a:rPr lang="en-US" sz="1200" dirty="0">
-                <a:solidFill>
-                  <a:srgbClr val="008000"/>
-                </a:solidFill>
-              </a:rPr>
-              <a:t>Row 29</a:t>
-            </a:r>
-          </a:p>
-        </p:txBody>
-      </p:sp>
     </p:spTree>
     <p:extLst>
       <p:ext uri="{BB962C8B-B14F-4D97-AF65-F5344CB8AC3E}">
-        <p14:creationId xmlns:p14="http://schemas.microsoft.com/office/powerpoint/2010/main" val="2118833317"/>
+        <p14:creationId xmlns:p14="http://schemas.microsoft.com/office/powerpoint/2010/main" val="1165690574"/>
       </p:ext>
     </p:extLst>
   </p:cSld>
@@ -7769,7 +8214,7 @@
 </p:sld>
 </file>
 
-<file path=ppt/slides/slide2.xml><?xml version="1.0" encoding="utf-8"?>
+<file path=ppt/slides/slide3.xml><?xml version="1.0" encoding="utf-8"?>
 <p:sld xmlns:a="http://schemas.openxmlformats.org/drawingml/2006/main" xmlns:r="http://schemas.openxmlformats.org/officeDocument/2006/relationships" xmlns:p="http://schemas.openxmlformats.org/presentationml/2006/main">
   <p:cSld>
     <p:spTree>
@@ -7788,21 +8233,21 @@
       </p:grpSpPr>
       <p:pic>
         <p:nvPicPr>
-          <p:cNvPr id="4" name="Picture 3"/>
+          <p:cNvPr id="21" name="Picture 20"/>
           <p:cNvPicPr>
             <a:picLocks noChangeAspect="1"/>
           </p:cNvPicPr>
           <p:nvPr/>
         </p:nvPicPr>
         <p:blipFill rotWithShape="1">
-          <a:blip r:embed="rId2"/>
-          <a:srcRect t="21419" r="18681" b="8827"/>
+          <a:blip r:embed="rId3"/>
+          <a:srcRect t="26111" r="1666" b="8950"/>
           <a:stretch/>
         </p:blipFill>
         <p:spPr>
           <a:xfrm>
-            <a:off x="93451" y="988306"/>
-            <a:ext cx="9050550" cy="3570994"/>
+            <a:off x="8491" y="1024219"/>
+            <a:ext cx="9135509" cy="3576592"/>
           </a:xfrm>
           <a:prstGeom prst="rect">
             <a:avLst/>
@@ -7811,7 +8256,7 @@
       </p:pic>
       <p:sp>
         <p:nvSpPr>
-          <p:cNvPr id="15361" name="Title 1">
+          <p:cNvPr id="2" name="Title 1">
             <a:extLst>
               <a:ext uri="{FF2B5EF4-FFF2-40B4-BE49-F238E27FC236}">
                 <a16:creationId xmlns:a16="http://schemas.microsoft.com/office/drawing/2014/main" id="{9BD03358-C736-4C1A-8E91-843C37ADF1DB}"/>
@@ -7825,22 +8270,35 @@
             <p:ph type="title"/>
           </p:nvPr>
         </p:nvSpPr>
-        <p:spPr/>
+        <p:spPr>
+          <a:xfrm>
+            <a:off x="567466" y="-21488"/>
+            <a:ext cx="7714401" cy="782327"/>
+          </a:xfrm>
+        </p:spPr>
         <p:txBody>
           <a:bodyPr/>
           <a:lstStyle/>
           <a:p>
             <a:r>
               <a:rPr lang="en-US" sz="1800" dirty="0"/>
-              <a:t>Mapping Worksheet </a:t>
-            </a:r>
-            <a:r>
-              <a:rPr lang="en-US" sz="1600" dirty="0"/>
-              <a:t>|  </a:t>
+              <a:t>Mapping Worksheet  </a:t>
+            </a:r>
+            <a:r>
+              <a:rPr lang="en-US" sz="1400" dirty="0"/>
+              <a:t>| </a:t>
             </a:r>
             <a:r>
               <a:rPr lang="en-US" sz="1200" dirty="0"/>
-              <a:t>Many CPCDS data elements are not on all profiles.  To identify the CPCDS data elements applicable to a specific Profile,  payers may filter on the CARIN for BB FHIR Profile, column E, selecting the desired profile</a:t>
+              <a:t>Each tab profile maps the CPCDS data elements to FHIR for each Profile.   To map their data to CPCDS, payers may filter the </a:t>
+            </a:r>
+            <a:r>
+              <a:rPr lang="en-US" sz="1200" dirty="0" err="1"/>
+              <a:t>MapID</a:t>
+            </a:r>
+            <a:r>
+              <a:rPr lang="en-US" sz="1200" dirty="0"/>
+              <a:t>, column K, removing spaces and ‘removed from scope’</a:t>
             </a:r>
             <a:endParaRPr lang="en-US" altLang="en-US" sz="1200" dirty="0"/>
           </a:p>
@@ -7848,10 +8306,10 @@
       </p:sp>
       <p:sp>
         <p:nvSpPr>
-          <p:cNvPr id="15364" name="Slide Number Placeholder 4">
+          <p:cNvPr id="3" name="Footer Placeholder 3">
             <a:extLst>
               <a:ext uri="{FF2B5EF4-FFF2-40B4-BE49-F238E27FC236}">
-                <a16:creationId xmlns:a16="http://schemas.microsoft.com/office/drawing/2014/main" id="{2EEC91F9-0B4D-4914-992D-9AA65CF32774}"/>
+                <a16:creationId xmlns:a16="http://schemas.microsoft.com/office/drawing/2014/main" id="{62AFA8FB-2E5A-4324-ADD7-1326236DA958}"/>
               </a:ext>
             </a:extLst>
           </p:cNvPr>
@@ -7859,10 +8317,15 @@
             <a:spLocks noGrp="1"/>
           </p:cNvSpPr>
           <p:nvPr>
-            <p:ph type="sldNum" sz="quarter" idx="11"/>
+            <p:ph type="ftr" sz="quarter" idx="10"/>
           </p:nvPr>
         </p:nvSpPr>
-        <p:spPr/>
+        <p:spPr>
+          <a:xfrm>
+            <a:off x="1314886" y="4795837"/>
+            <a:ext cx="4530725" cy="158750"/>
+          </a:xfrm>
+        </p:spPr>
         <p:txBody>
           <a:bodyPr/>
           <a:lstStyle>
@@ -7973,174 +8436,19 @@
             </a:lvl9pPr>
           </a:lstStyle>
           <a:p>
-            <a:fld id="{A6B490F0-9F17-4BC8-B7C0-FB1407BB346B}" type="slidenum">
-              <a:rPr lang="en-US" altLang="en-US"/>
-              <a:pPr/>
-              <a:t>2</a:t>
-            </a:fld>
-            <a:endParaRPr lang="en-US" altLang="en-US"/>
+            <a:r>
+              <a:rPr lang="en-US" altLang="en-US" dirty="0"/>
+              <a:t>© 2019 Health Level Seven ® International. Licensed under Creative Commons Attribution 4.0 International HL7, Health Level Seven, FHIR and the FHIR flame logo are registered trademarks of Health Level Seven International. Reg. U.S. TM Office.</a:t>
+            </a:r>
           </a:p>
         </p:txBody>
       </p:sp>
       <p:sp>
         <p:nvSpPr>
-          <p:cNvPr id="3" name="TextBox 2">
+          <p:cNvPr id="4" name="Slide Number Placeholder 4">
             <a:extLst>
               <a:ext uri="{FF2B5EF4-FFF2-40B4-BE49-F238E27FC236}">
-                <a16:creationId xmlns:a16="http://schemas.microsoft.com/office/drawing/2014/main" id="{9A635E79-59E4-4900-A4DF-C7856CEF6631}"/>
-              </a:ext>
-            </a:extLst>
-          </p:cNvPr>
-          <p:cNvSpPr txBox="1"/>
-          <p:nvPr/>
-        </p:nvSpPr>
-        <p:spPr>
-          <a:xfrm>
-            <a:off x="3905251" y="825651"/>
-            <a:ext cx="1816099" cy="184666"/>
-          </a:xfrm>
-          <a:prstGeom prst="rect">
-            <a:avLst/>
-          </a:prstGeom>
-          <a:gradFill flip="none" rotWithShape="1">
-            <a:gsLst>
-              <a:gs pos="0">
-                <a:srgbClr val="CCFFCC">
-                  <a:shade val="30000"/>
-                  <a:satMod val="115000"/>
-                </a:srgbClr>
-              </a:gs>
-              <a:gs pos="50000">
-                <a:srgbClr val="CCFFCC">
-                  <a:shade val="67500"/>
-                  <a:satMod val="115000"/>
-                </a:srgbClr>
-              </a:gs>
-              <a:gs pos="100000">
-                <a:srgbClr val="CCFFCC">
-                  <a:shade val="100000"/>
-                  <a:satMod val="115000"/>
-                </a:srgbClr>
-              </a:gs>
-            </a:gsLst>
-            <a:lin ang="2700000" scaled="1"/>
-            <a:tileRect/>
-          </a:gradFill>
-          <a:ln>
-            <a:noFill/>
-          </a:ln>
-          <a:effectLst>
-            <a:outerShdw blurRad="107950" dist="12700" dir="5400000" algn="ctr">
-              <a:srgbClr val="000000"/>
-            </a:outerShdw>
-          </a:effectLst>
-          <a:scene3d>
-            <a:camera prst="orthographicFront">
-              <a:rot lat="0" lon="0" rev="0"/>
-            </a:camera>
-            <a:lightRig rig="soft" dir="t">
-              <a:rot lat="0" lon="0" rev="0"/>
-            </a:lightRig>
-          </a:scene3d>
-          <a:sp3d contourW="44450" prstMaterial="matte">
-            <a:bevelT w="63500" h="63500" prst="artDeco"/>
-            <a:contourClr>
-              <a:srgbClr val="FFFFFF"/>
-            </a:contourClr>
-          </a:sp3d>
-        </p:spPr>
-        <p:txBody>
-          <a:bodyPr wrap="square" lIns="0" tIns="0" rtlCol="0">
-            <a:spAutoFit/>
-          </a:bodyPr>
-          <a:lstStyle/>
-          <a:p>
-            <a:pPr algn="ctr"/>
-            <a:r>
-              <a:rPr lang="en-US" sz="900" dirty="0"/>
-              <a:t>Filter on EOB Inpatient Facility</a:t>
-            </a:r>
-          </a:p>
-        </p:txBody>
-      </p:sp>
-      <p:cxnSp>
-        <p:nvCxnSpPr>
-          <p:cNvPr id="5" name="Straight Arrow Connector 4">
-            <a:extLst>
-              <a:ext uri="{FF2B5EF4-FFF2-40B4-BE49-F238E27FC236}">
-                <a16:creationId xmlns:a16="http://schemas.microsoft.com/office/drawing/2014/main" id="{278A580A-E06A-4DBE-9337-0A2695E3BA91}"/>
-              </a:ext>
-            </a:extLst>
-          </p:cNvPr>
-          <p:cNvCxnSpPr/>
-          <p:nvPr/>
-        </p:nvCxnSpPr>
-        <p:spPr>
-          <a:xfrm>
-            <a:off x="4766310" y="1035717"/>
-            <a:ext cx="0" cy="283813"/>
-          </a:xfrm>
-          <a:prstGeom prst="straightConnector1">
-            <a:avLst/>
-          </a:prstGeom>
-          <a:ln>
-            <a:solidFill>
-              <a:srgbClr val="00B050"/>
-            </a:solidFill>
-            <a:tailEnd type="triangle"/>
-          </a:ln>
-        </p:spPr>
-        <p:style>
-          <a:lnRef idx="2">
-            <a:schemeClr val="accent1"/>
-          </a:lnRef>
-          <a:fillRef idx="0">
-            <a:schemeClr val="accent1"/>
-          </a:fillRef>
-          <a:effectRef idx="1">
-            <a:schemeClr val="accent1"/>
-          </a:effectRef>
-          <a:fontRef idx="minor">
-            <a:schemeClr val="tx1"/>
-          </a:fontRef>
-        </p:style>
-      </p:cxnSp>
-    </p:spTree>
-    <p:extLst>
-      <p:ext uri="{BB962C8B-B14F-4D97-AF65-F5344CB8AC3E}">
-        <p14:creationId xmlns:p14="http://schemas.microsoft.com/office/powerpoint/2010/main" val="2870096737"/>
-      </p:ext>
-    </p:extLst>
-  </p:cSld>
-  <p:clrMapOvr>
-    <a:masterClrMapping/>
-  </p:clrMapOvr>
-</p:sld>
-</file>
-
-<file path=ppt/slides/slide3.xml><?xml version="1.0" encoding="utf-8"?>
-<p:sld xmlns:a="http://schemas.openxmlformats.org/drawingml/2006/main" xmlns:r="http://schemas.openxmlformats.org/officeDocument/2006/relationships" xmlns:p="http://schemas.openxmlformats.org/presentationml/2006/main">
-  <p:cSld>
-    <p:spTree>
-      <p:nvGrpSpPr>
-        <p:cNvPr id="1" name=""/>
-        <p:cNvGrpSpPr/>
-        <p:nvPr/>
-      </p:nvGrpSpPr>
-      <p:grpSpPr>
-        <a:xfrm>
-          <a:off x="0" y="0"/>
-          <a:ext cx="0" cy="0"/>
-          <a:chOff x="0" y="0"/>
-          <a:chExt cx="0" cy="0"/>
-        </a:xfrm>
-      </p:grpSpPr>
-      <p:sp>
-        <p:nvSpPr>
-          <p:cNvPr id="15361" name="Title 1">
-            <a:extLst>
-              <a:ext uri="{FF2B5EF4-FFF2-40B4-BE49-F238E27FC236}">
-                <a16:creationId xmlns:a16="http://schemas.microsoft.com/office/drawing/2014/main" id="{9BD03358-C736-4C1A-8E91-843C37ADF1DB}"/>
+                <a16:creationId xmlns:a16="http://schemas.microsoft.com/office/drawing/2014/main" id="{2EEC91F9-0B4D-4914-992D-9AA65CF32774}"/>
               </a:ext>
             </a:extLst>
           </p:cNvPr>
@@ -8148,63 +8456,13 @@
             <a:spLocks noGrp="1"/>
           </p:cNvSpPr>
           <p:nvPr>
-            <p:ph type="title"/>
+            <p:ph type="sldNum" sz="quarter" idx="11"/>
           </p:nvPr>
         </p:nvSpPr>
         <p:spPr>
           <a:xfrm>
-            <a:off x="567466" y="-21488"/>
-            <a:ext cx="8229600" cy="782327"/>
-          </a:xfrm>
-        </p:spPr>
-        <p:txBody>
-          <a:bodyPr/>
-          <a:lstStyle/>
-          <a:p>
-            <a:r>
-              <a:rPr lang="en-US" sz="1800" dirty="0"/>
-              <a:t>Mapping Worksheet  </a:t>
-            </a:r>
-            <a:r>
-              <a:rPr lang="en-US" sz="1400" dirty="0"/>
-              <a:t>| </a:t>
-            </a:r>
-            <a:r>
-              <a:rPr lang="en-US" sz="1200" dirty="0"/>
-              <a:t>Each tab profile maps the CPCDS data elements to FHIR for each Profile.   To map their data to CPCDS, payers may filter the </a:t>
-            </a:r>
-            <a:r>
-              <a:rPr lang="en-US" sz="1200" dirty="0" err="1"/>
-              <a:t>MapID</a:t>
-            </a:r>
-            <a:r>
-              <a:rPr lang="en-US" sz="1200" dirty="0"/>
-              <a:t>, column K, removing spaces and ‘removed from scope’</a:t>
-            </a:r>
-            <a:endParaRPr lang="en-US" altLang="en-US" sz="1200" dirty="0"/>
-          </a:p>
-        </p:txBody>
-      </p:sp>
-      <p:sp>
-        <p:nvSpPr>
-          <p:cNvPr id="15363" name="Footer Placeholder 3">
-            <a:extLst>
-              <a:ext uri="{FF2B5EF4-FFF2-40B4-BE49-F238E27FC236}">
-                <a16:creationId xmlns:a16="http://schemas.microsoft.com/office/drawing/2014/main" id="{62AFA8FB-2E5A-4324-ADD7-1326236DA958}"/>
-              </a:ext>
-            </a:extLst>
-          </p:cNvPr>
-          <p:cNvSpPr>
-            <a:spLocks noGrp="1"/>
-          </p:cNvSpPr>
-          <p:nvPr>
-            <p:ph type="ftr" sz="quarter" idx="10"/>
-          </p:nvPr>
-        </p:nvSpPr>
-        <p:spPr>
-          <a:xfrm>
-            <a:off x="1892300" y="2075250"/>
-            <a:ext cx="4530725" cy="158750"/>
+            <a:off x="7662862" y="4808560"/>
+            <a:ext cx="271463" cy="158750"/>
           </a:xfrm>
         </p:spPr>
         <p:txBody>
@@ -8317,140 +8575,6 @@
             </a:lvl9pPr>
           </a:lstStyle>
           <a:p>
-            <a:r>
-              <a:rPr lang="en-US" altLang="en-US"/>
-              <a:t>© 2019 Health Level Seven ® International. Licensed under Creative Commons Attribution 4.0 International HL7, Health Level Seven, FHIR and the FHIR flame logo are registered trademarks of Health Level Seven International. Reg. U.S. TM Office.</a:t>
-            </a:r>
-          </a:p>
-        </p:txBody>
-      </p:sp>
-      <p:sp>
-        <p:nvSpPr>
-          <p:cNvPr id="15364" name="Slide Number Placeholder 4">
-            <a:extLst>
-              <a:ext uri="{FF2B5EF4-FFF2-40B4-BE49-F238E27FC236}">
-                <a16:creationId xmlns:a16="http://schemas.microsoft.com/office/drawing/2014/main" id="{2EEC91F9-0B4D-4914-992D-9AA65CF32774}"/>
-              </a:ext>
-            </a:extLst>
-          </p:cNvPr>
-          <p:cNvSpPr>
-            <a:spLocks noGrp="1"/>
-          </p:cNvSpPr>
-          <p:nvPr>
-            <p:ph type="sldNum" sz="quarter" idx="11"/>
-          </p:nvPr>
-        </p:nvSpPr>
-        <p:spPr/>
-        <p:txBody>
-          <a:bodyPr/>
-          <a:lstStyle>
-            <a:lvl1pPr>
-              <a:defRPr>
-                <a:solidFill>
-                  <a:schemeClr val="tx1"/>
-                </a:solidFill>
-                <a:latin typeface="Arial" panose="020B0604020202020204" pitchFamily="34" charset="0"/>
-                <a:ea typeface="ヒラギノ角ゴ Pro W3" pitchFamily="-126" charset="-128"/>
-              </a:defRPr>
-            </a:lvl1pPr>
-            <a:lvl2pPr marL="742950" indent="-285750">
-              <a:defRPr>
-                <a:solidFill>
-                  <a:schemeClr val="tx1"/>
-                </a:solidFill>
-                <a:latin typeface="Arial" panose="020B0604020202020204" pitchFamily="34" charset="0"/>
-                <a:ea typeface="ヒラギノ角ゴ Pro W3" pitchFamily="-126" charset="-128"/>
-              </a:defRPr>
-            </a:lvl2pPr>
-            <a:lvl3pPr marL="1143000" indent="-228600">
-              <a:defRPr>
-                <a:solidFill>
-                  <a:schemeClr val="tx1"/>
-                </a:solidFill>
-                <a:latin typeface="Arial" panose="020B0604020202020204" pitchFamily="34" charset="0"/>
-                <a:ea typeface="ヒラギノ角ゴ Pro W3" pitchFamily="-126" charset="-128"/>
-              </a:defRPr>
-            </a:lvl3pPr>
-            <a:lvl4pPr marL="1600200" indent="-228600">
-              <a:defRPr>
-                <a:solidFill>
-                  <a:schemeClr val="tx1"/>
-                </a:solidFill>
-                <a:latin typeface="Arial" panose="020B0604020202020204" pitchFamily="34" charset="0"/>
-                <a:ea typeface="ヒラギノ角ゴ Pro W3" pitchFamily="-126" charset="-128"/>
-              </a:defRPr>
-            </a:lvl4pPr>
-            <a:lvl5pPr marL="2057400" indent="-228600">
-              <a:defRPr>
-                <a:solidFill>
-                  <a:schemeClr val="tx1"/>
-                </a:solidFill>
-                <a:latin typeface="Arial" panose="020B0604020202020204" pitchFamily="34" charset="0"/>
-                <a:ea typeface="ヒラギノ角ゴ Pro W3" pitchFamily="-126" charset="-128"/>
-              </a:defRPr>
-            </a:lvl5pPr>
-            <a:lvl6pPr marL="2514600" indent="-228600" defTabSz="457200" fontAlgn="base">
-              <a:spcBef>
-                <a:spcPct val="0"/>
-              </a:spcBef>
-              <a:spcAft>
-                <a:spcPct val="0"/>
-              </a:spcAft>
-              <a:defRPr>
-                <a:solidFill>
-                  <a:schemeClr val="tx1"/>
-                </a:solidFill>
-                <a:latin typeface="Arial" panose="020B0604020202020204" pitchFamily="34" charset="0"/>
-                <a:ea typeface="ヒラギノ角ゴ Pro W3" pitchFamily="-126" charset="-128"/>
-              </a:defRPr>
-            </a:lvl6pPr>
-            <a:lvl7pPr marL="2971800" indent="-228600" defTabSz="457200" fontAlgn="base">
-              <a:spcBef>
-                <a:spcPct val="0"/>
-              </a:spcBef>
-              <a:spcAft>
-                <a:spcPct val="0"/>
-              </a:spcAft>
-              <a:defRPr>
-                <a:solidFill>
-                  <a:schemeClr val="tx1"/>
-                </a:solidFill>
-                <a:latin typeface="Arial" panose="020B0604020202020204" pitchFamily="34" charset="0"/>
-                <a:ea typeface="ヒラギノ角ゴ Pro W3" pitchFamily="-126" charset="-128"/>
-              </a:defRPr>
-            </a:lvl7pPr>
-            <a:lvl8pPr marL="3429000" indent="-228600" defTabSz="457200" fontAlgn="base">
-              <a:spcBef>
-                <a:spcPct val="0"/>
-              </a:spcBef>
-              <a:spcAft>
-                <a:spcPct val="0"/>
-              </a:spcAft>
-              <a:defRPr>
-                <a:solidFill>
-                  <a:schemeClr val="tx1"/>
-                </a:solidFill>
-                <a:latin typeface="Arial" panose="020B0604020202020204" pitchFamily="34" charset="0"/>
-                <a:ea typeface="ヒラギノ角ゴ Pro W3" pitchFamily="-126" charset="-128"/>
-              </a:defRPr>
-            </a:lvl8pPr>
-            <a:lvl9pPr marL="3886200" indent="-228600" defTabSz="457200" fontAlgn="base">
-              <a:spcBef>
-                <a:spcPct val="0"/>
-              </a:spcBef>
-              <a:spcAft>
-                <a:spcPct val="0"/>
-              </a:spcAft>
-              <a:defRPr>
-                <a:solidFill>
-                  <a:schemeClr val="tx1"/>
-                </a:solidFill>
-                <a:latin typeface="Arial" panose="020B0604020202020204" pitchFamily="34" charset="0"/>
-                <a:ea typeface="ヒラギノ角ゴ Pro W3" pitchFamily="-126" charset="-128"/>
-              </a:defRPr>
-            </a:lvl9pPr>
-          </a:lstStyle>
-          <a:p>
             <a:fld id="{A6B490F0-9F17-4BC8-B7C0-FB1407BB346B}" type="slidenum">
               <a:rPr lang="en-US" altLang="en-US"/>
               <a:pPr/>
@@ -8460,38 +8584,15 @@
           </a:p>
         </p:txBody>
       </p:sp>
-      <p:pic>
-        <p:nvPicPr>
-          <p:cNvPr id="4" name="Picture 3"/>
-          <p:cNvPicPr>
-            <a:picLocks noChangeAspect="1"/>
-          </p:cNvPicPr>
-          <p:nvPr/>
-        </p:nvPicPr>
-        <p:blipFill rotWithShape="1">
-          <a:blip r:embed="rId3"/>
-          <a:srcRect t="21049" r="3681" b="8581"/>
-          <a:stretch/>
-        </p:blipFill>
-        <p:spPr>
-          <a:xfrm>
-            <a:off x="88900" y="981957"/>
-            <a:ext cx="9055100" cy="3532894"/>
-          </a:xfrm>
-          <a:prstGeom prst="rect">
-            <a:avLst/>
-          </a:prstGeom>
-        </p:spPr>
-      </p:pic>
       <p:sp>
         <p:nvSpPr>
-          <p:cNvPr id="8" name="TextBox 7"/>
+          <p:cNvPr id="6" name="TextBox 5"/>
           <p:cNvSpPr txBox="1"/>
           <p:nvPr/>
         </p:nvSpPr>
         <p:spPr>
           <a:xfrm>
-            <a:off x="5136427" y="863600"/>
+            <a:off x="4980488" y="700571"/>
             <a:ext cx="544380" cy="230832"/>
           </a:xfrm>
           <a:prstGeom prst="rect">
@@ -8524,7 +8625,7 @@
           </a:sp3d>
         </p:spPr>
         <p:txBody>
-          <a:bodyPr wrap="none" lIns="0" tIns="0" rtlCol="0">
+          <a:bodyPr wrap="square" lIns="0" tIns="0" rtlCol="0">
             <a:spAutoFit/>
           </a:bodyPr>
           <a:lstStyle/>
@@ -8543,14 +8644,14 @@
       </p:sp>
       <p:cxnSp>
         <p:nvCxnSpPr>
-          <p:cNvPr id="9" name="Straight Arrow Connector 8"/>
+          <p:cNvPr id="7" name="Straight Arrow Connector 6"/>
           <p:cNvCxnSpPr/>
           <p:nvPr/>
         </p:nvCxnSpPr>
         <p:spPr>
           <a:xfrm>
-            <a:off x="5382419" y="1092200"/>
-            <a:ext cx="0" cy="286266"/>
+            <a:off x="5226480" y="929171"/>
+            <a:ext cx="0" cy="595553"/>
           </a:xfrm>
           <a:prstGeom prst="straightConnector1">
             <a:avLst/>
@@ -8579,13 +8680,13 @@
       </p:cxnSp>
       <p:sp>
         <p:nvSpPr>
-          <p:cNvPr id="10" name="TextBox 9"/>
+          <p:cNvPr id="8" name="TextBox 7"/>
           <p:cNvSpPr txBox="1"/>
           <p:nvPr/>
         </p:nvSpPr>
         <p:spPr>
           <a:xfrm>
-            <a:off x="273866" y="1198133"/>
+            <a:off x="712778" y="1262141"/>
             <a:ext cx="3106764" cy="230832"/>
           </a:xfrm>
           <a:prstGeom prst="rect">
@@ -8623,6 +8724,7 @@
           </a:bodyPr>
           <a:lstStyle/>
           <a:p>
+            <a:pPr algn="ctr"/>
             <a:r>
               <a:rPr lang="en-US" sz="1200" dirty="0">
                 <a:solidFill>
@@ -8641,7 +8743,7 @@
       </p:sp>
       <p:cxnSp>
         <p:nvCxnSpPr>
-          <p:cNvPr id="13" name="Straight Arrow Connector 12"/>
+          <p:cNvPr id="9" name="Straight Arrow Connector 8"/>
           <p:cNvCxnSpPr/>
           <p:nvPr/>
         </p:nvCxnSpPr>
@@ -8677,7 +8779,7 @@
       </p:cxnSp>
       <p:sp>
         <p:nvSpPr>
-          <p:cNvPr id="12" name="TextBox 11"/>
+          <p:cNvPr id="10" name="TextBox 9"/>
           <p:cNvSpPr txBox="1"/>
           <p:nvPr/>
         </p:nvSpPr>
@@ -8735,14 +8837,14 @@
       </p:sp>
       <p:cxnSp>
         <p:nvCxnSpPr>
-          <p:cNvPr id="17" name="Straight Arrow Connector 16"/>
+          <p:cNvPr id="11" name="Straight Arrow Connector 10"/>
           <p:cNvCxnSpPr/>
           <p:nvPr/>
         </p:nvCxnSpPr>
         <p:spPr>
           <a:xfrm>
-            <a:off x="6220619" y="1092200"/>
-            <a:ext cx="0" cy="507868"/>
+            <a:off x="6000883" y="1170174"/>
+            <a:ext cx="0" cy="312724"/>
           </a:xfrm>
           <a:prstGeom prst="straightConnector1">
             <a:avLst/>
@@ -8771,7 +8873,7 @@
       </p:cxnSp>
       <p:cxnSp>
         <p:nvCxnSpPr>
-          <p:cNvPr id="18" name="Straight Arrow Connector 17"/>
+          <p:cNvPr id="12" name="Straight Arrow Connector 11"/>
           <p:cNvCxnSpPr/>
           <p:nvPr/>
         </p:nvCxnSpPr>
@@ -8807,14 +8909,14 @@
       </p:cxnSp>
       <p:sp>
         <p:nvSpPr>
-          <p:cNvPr id="19" name="TextBox 18"/>
+          <p:cNvPr id="13" name="TextBox 12"/>
           <p:cNvSpPr txBox="1"/>
           <p:nvPr/>
         </p:nvSpPr>
         <p:spPr>
           <a:xfrm>
-            <a:off x="7408069" y="806450"/>
-            <a:ext cx="869790" cy="415498"/>
+            <a:off x="7404063" y="806450"/>
+            <a:ext cx="877804" cy="415498"/>
           </a:xfrm>
           <a:prstGeom prst="rect">
             <a:avLst/>
@@ -8858,7 +8960,7 @@
                   <a:srgbClr val="008000"/>
                 </a:solidFill>
               </a:rPr>
-              <a:t>value sets. </a:t>
+              <a:t>Comments;</a:t>
             </a:r>
           </a:p>
           <a:p>
@@ -8876,7 +8978,7 @@
       </p:sp>
       <p:sp>
         <p:nvSpPr>
-          <p:cNvPr id="20" name="TextBox 19"/>
+          <p:cNvPr id="14" name="TextBox 13"/>
           <p:cNvSpPr txBox="1"/>
           <p:nvPr/>
         </p:nvSpPr>
@@ -8926,21 +9028,21 @@
                   <a:srgbClr val="008000"/>
                 </a:solidFill>
               </a:rPr>
-              <a:t>Row 147</a:t>
+              <a:t>Row 149</a:t>
             </a:r>
           </a:p>
         </p:txBody>
       </p:sp>
       <p:sp>
         <p:nvSpPr>
-          <p:cNvPr id="21" name="TextBox 20"/>
+          <p:cNvPr id="15" name="TextBox 14"/>
           <p:cNvSpPr txBox="1"/>
           <p:nvPr/>
         </p:nvSpPr>
         <p:spPr>
           <a:xfrm>
-            <a:off x="5724146" y="940016"/>
-            <a:ext cx="1084592" cy="230832"/>
+            <a:off x="5641570" y="1017990"/>
+            <a:ext cx="704366" cy="230832"/>
           </a:xfrm>
           <a:prstGeom prst="rect">
             <a:avLst/>
@@ -8993,7 +9095,7 @@
           </a:sp3d>
         </p:spPr>
         <p:txBody>
-          <a:bodyPr wrap="none" lIns="0" tIns="0" rtlCol="0">
+          <a:bodyPr wrap="square" lIns="0" tIns="0" rtlCol="0">
             <a:spAutoFit/>
           </a:bodyPr>
           <a:lstStyle/>
@@ -9005,14 +9107,14 @@
                   <a:srgbClr val="008000"/>
                 </a:solidFill>
               </a:rPr>
-              <a:t>CARIN for BB </a:t>
+              <a:t>CPCDS</a:t>
             </a:r>
           </a:p>
         </p:txBody>
       </p:sp>
       <p:sp>
         <p:nvSpPr>
-          <p:cNvPr id="22" name="TextBox 21"/>
+          <p:cNvPr id="16" name="TextBox 15"/>
           <p:cNvSpPr txBox="1"/>
           <p:nvPr/>
         </p:nvSpPr>
@@ -9070,7 +9172,7 @@
       </p:sp>
       <p:cxnSp>
         <p:nvCxnSpPr>
-          <p:cNvPr id="23" name="Straight Arrow Connector 22"/>
+          <p:cNvPr id="17" name="Straight Arrow Connector 16"/>
           <p:cNvCxnSpPr/>
           <p:nvPr/>
         </p:nvCxnSpPr>
@@ -9106,7 +9208,7 @@
       </p:cxnSp>
       <p:cxnSp>
         <p:nvCxnSpPr>
-          <p:cNvPr id="24" name="Straight Arrow Connector 23"/>
+          <p:cNvPr id="18" name="Straight Arrow Connector 17"/>
           <p:cNvCxnSpPr/>
           <p:nvPr/>
         </p:nvCxnSpPr>
@@ -9142,14 +9244,14 @@
       </p:cxnSp>
       <p:cxnSp>
         <p:nvCxnSpPr>
-          <p:cNvPr id="29" name="Straight Arrow Connector 28"/>
+          <p:cNvPr id="19" name="Straight Arrow Connector 18"/>
           <p:cNvCxnSpPr/>
           <p:nvPr/>
         </p:nvCxnSpPr>
         <p:spPr>
-          <a:xfrm flipH="1">
-            <a:off x="2793186" y="758848"/>
-            <a:ext cx="548753" cy="255351"/>
+          <a:xfrm>
+            <a:off x="2792810" y="854442"/>
+            <a:ext cx="170489" cy="159757"/>
           </a:xfrm>
           <a:prstGeom prst="straightConnector1">
             <a:avLst/>
@@ -9178,13 +9280,13 @@
       </p:cxnSp>
       <p:sp>
         <p:nvSpPr>
-          <p:cNvPr id="32" name="TextBox 31"/>
+          <p:cNvPr id="20" name="TextBox 19"/>
           <p:cNvSpPr txBox="1"/>
           <p:nvPr/>
         </p:nvSpPr>
         <p:spPr>
           <a:xfrm>
-            <a:off x="3020329" y="679666"/>
+            <a:off x="1261618" y="601331"/>
             <a:ext cx="1805944" cy="230832"/>
           </a:xfrm>
           <a:prstGeom prst="rect">
@@ -9258,7 +9360,7 @@
     </p:spTree>
     <p:extLst>
       <p:ext uri="{BB962C8B-B14F-4D97-AF65-F5344CB8AC3E}">
-        <p14:creationId xmlns:p14="http://schemas.microsoft.com/office/powerpoint/2010/main" val="2771008318"/>
+        <p14:creationId xmlns:p14="http://schemas.microsoft.com/office/powerpoint/2010/main" val="3411765069"/>
       </p:ext>
     </p:extLst>
   </p:cSld>
@@ -10224,4 +10326,286 @@
   </a:objectDefaults>
   <a:extraClrSchemeLst/>
 </a:theme>
+</file>
+
+<file path=customXml/item1.xml><?xml version="1.0" encoding="utf-8"?>
+<?mso-contentType ?>
+<FormTemplates xmlns="http://schemas.microsoft.com/sharepoint/v3/contenttype/forms">
+  <Display>DocumentLibraryForm</Display>
+  <Edit>DocumentLibraryForm</Edit>
+  <New>DocumentLibraryForm</New>
+</FormTemplates>
+</file>
+
+<file path=customXml/item2.xml><?xml version="1.0" encoding="utf-8"?>
+<ct:contentTypeSchema xmlns:ct="http://schemas.microsoft.com/office/2006/metadata/contentType" xmlns:ma="http://schemas.microsoft.com/office/2006/metadata/properties/metaAttributes" ct:_="" ma:_="" ma:contentTypeName="Document" ma:contentTypeID="0x0101003D0C67F1D0418E4D8CEA030F6226C240" ma:contentTypeVersion="13" ma:contentTypeDescription="Create a new document." ma:contentTypeScope="" ma:versionID="eacabd6a26b552791a79207640423285">
+  <xsd:schema xmlns:xsd="http://www.w3.org/2001/XMLSchema" xmlns:xs="http://www.w3.org/2001/XMLSchema" xmlns:p="http://schemas.microsoft.com/office/2006/metadata/properties" xmlns:ns3="fd039111-a3d4-483d-82af-7ea19c5c1cff" xmlns:ns4="3441a4ca-e6b7-4eb7-9d37-d8bac3973302" targetNamespace="http://schemas.microsoft.com/office/2006/metadata/properties" ma:root="true" ma:fieldsID="142e8a5a503bd8014b1ea416b9465201" ns3:_="" ns4:_="">
+    <xsd:import namespace="fd039111-a3d4-483d-82af-7ea19c5c1cff"/>
+    <xsd:import namespace="3441a4ca-e6b7-4eb7-9d37-d8bac3973302"/>
+    <xsd:element name="properties">
+      <xsd:complexType>
+        <xsd:sequence>
+          <xsd:element name="documentManagement">
+            <xsd:complexType>
+              <xsd:all>
+                <xsd:element ref="ns3:MediaServiceMetadata" minOccurs="0"/>
+                <xsd:element ref="ns3:MediaServiceFastMetadata" minOccurs="0"/>
+                <xsd:element ref="ns3:MediaServiceAutoTags" minOccurs="0"/>
+                <xsd:element ref="ns3:MediaServiceGenerationTime" minOccurs="0"/>
+                <xsd:element ref="ns3:MediaServiceEventHashCode" minOccurs="0"/>
+                <xsd:element ref="ns3:MediaServiceOCR" minOccurs="0"/>
+                <xsd:element ref="ns3:MediaServiceDateTaken" minOccurs="0"/>
+                <xsd:element ref="ns3:MediaServiceAutoKeyPoints" minOccurs="0"/>
+                <xsd:element ref="ns3:MediaServiceKeyPoints" minOccurs="0"/>
+                <xsd:element ref="ns3:MediaServiceLocation" minOccurs="0"/>
+                <xsd:element ref="ns4:SharedWithUsers" minOccurs="0"/>
+                <xsd:element ref="ns4:SharedWithDetails" minOccurs="0"/>
+                <xsd:element ref="ns4:SharingHintHash" minOccurs="0"/>
+              </xsd:all>
+            </xsd:complexType>
+          </xsd:element>
+        </xsd:sequence>
+      </xsd:complexType>
+    </xsd:element>
+  </xsd:schema>
+  <xsd:schema xmlns:xsd="http://www.w3.org/2001/XMLSchema" xmlns:xs="http://www.w3.org/2001/XMLSchema" xmlns:dms="http://schemas.microsoft.com/office/2006/documentManagement/types" xmlns:pc="http://schemas.microsoft.com/office/infopath/2007/PartnerControls" targetNamespace="fd039111-a3d4-483d-82af-7ea19c5c1cff" elementFormDefault="qualified">
+    <xsd:import namespace="http://schemas.microsoft.com/office/2006/documentManagement/types"/>
+    <xsd:import namespace="http://schemas.microsoft.com/office/infopath/2007/PartnerControls"/>
+    <xsd:element name="MediaServiceMetadata" ma:index="8" nillable="true" ma:displayName="MediaServiceMetadata" ma:description="" ma:hidden="true" ma:internalName="MediaServiceMetadata" ma:readOnly="true">
+      <xsd:simpleType>
+        <xsd:restriction base="dms:Note"/>
+      </xsd:simpleType>
+    </xsd:element>
+    <xsd:element name="MediaServiceFastMetadata" ma:index="9" nillable="true" ma:displayName="MediaServiceFastMetadata" ma:description="" ma:hidden="true" ma:internalName="MediaServiceFastMetadata" ma:readOnly="true">
+      <xsd:simpleType>
+        <xsd:restriction base="dms:Note"/>
+      </xsd:simpleType>
+    </xsd:element>
+    <xsd:element name="MediaServiceAutoTags" ma:index="10" nillable="true" ma:displayName="Tags" ma:internalName="MediaServiceAutoTags" ma:readOnly="true">
+      <xsd:simpleType>
+        <xsd:restriction base="dms:Text"/>
+      </xsd:simpleType>
+    </xsd:element>
+    <xsd:element name="MediaServiceGenerationTime" ma:index="11" nillable="true" ma:displayName="MediaServiceGenerationTime" ma:hidden="true" ma:internalName="MediaServiceGenerationTime" ma:readOnly="true">
+      <xsd:simpleType>
+        <xsd:restriction base="dms:Text"/>
+      </xsd:simpleType>
+    </xsd:element>
+    <xsd:element name="MediaServiceEventHashCode" ma:index="12" nillable="true" ma:displayName="MediaServiceEventHashCode" ma:hidden="true" ma:internalName="MediaServiceEventHashCode" ma:readOnly="true">
+      <xsd:simpleType>
+        <xsd:restriction base="dms:Text"/>
+      </xsd:simpleType>
+    </xsd:element>
+    <xsd:element name="MediaServiceOCR" ma:index="13" nillable="true" ma:displayName="Extracted Text" ma:internalName="MediaServiceOCR" ma:readOnly="true">
+      <xsd:simpleType>
+        <xsd:restriction base="dms:Note">
+          <xsd:maxLength value="255"/>
+        </xsd:restriction>
+      </xsd:simpleType>
+    </xsd:element>
+    <xsd:element name="MediaServiceDateTaken" ma:index="14" nillable="true" ma:displayName="MediaServiceDateTaken" ma:hidden="true" ma:internalName="MediaServiceDateTaken" ma:readOnly="true">
+      <xsd:simpleType>
+        <xsd:restriction base="dms:Text"/>
+      </xsd:simpleType>
+    </xsd:element>
+    <xsd:element name="MediaServiceAutoKeyPoints" ma:index="15" nillable="true" ma:displayName="MediaServiceAutoKeyPoints" ma:hidden="true" ma:internalName="MediaServiceAutoKeyPoints" ma:readOnly="true">
+      <xsd:simpleType>
+        <xsd:restriction base="dms:Note"/>
+      </xsd:simpleType>
+    </xsd:element>
+    <xsd:element name="MediaServiceKeyPoints" ma:index="16" nillable="true" ma:displayName="KeyPoints" ma:internalName="MediaServiceKeyPoints" ma:readOnly="true">
+      <xsd:simpleType>
+        <xsd:restriction base="dms:Note">
+          <xsd:maxLength value="255"/>
+        </xsd:restriction>
+      </xsd:simpleType>
+    </xsd:element>
+    <xsd:element name="MediaServiceLocation" ma:index="17" nillable="true" ma:displayName="Location" ma:internalName="MediaServiceLocation" ma:readOnly="true">
+      <xsd:simpleType>
+        <xsd:restriction base="dms:Text"/>
+      </xsd:simpleType>
+    </xsd:element>
+  </xsd:schema>
+  <xsd:schema xmlns:xsd="http://www.w3.org/2001/XMLSchema" xmlns:xs="http://www.w3.org/2001/XMLSchema" xmlns:dms="http://schemas.microsoft.com/office/2006/documentManagement/types" xmlns:pc="http://schemas.microsoft.com/office/infopath/2007/PartnerControls" targetNamespace="3441a4ca-e6b7-4eb7-9d37-d8bac3973302" elementFormDefault="qualified">
+    <xsd:import namespace="http://schemas.microsoft.com/office/2006/documentManagement/types"/>
+    <xsd:import namespace="http://schemas.microsoft.com/office/infopath/2007/PartnerControls"/>
+    <xsd:element name="SharedWithUsers" ma:index="18" nillable="true" ma:displayName="Shared With" ma:internalName="SharedWithUsers" ma:readOnly="true">
+      <xsd:complexType>
+        <xsd:complexContent>
+          <xsd:extension base="dms:UserMulti">
+            <xsd:sequence>
+              <xsd:element name="UserInfo" minOccurs="0" maxOccurs="unbounded">
+                <xsd:complexType>
+                  <xsd:sequence>
+                    <xsd:element name="DisplayName" type="xsd:string" minOccurs="0"/>
+                    <xsd:element name="AccountId" type="dms:UserId" minOccurs="0" nillable="true"/>
+                    <xsd:element name="AccountType" type="xsd:string" minOccurs="0"/>
+                  </xsd:sequence>
+                </xsd:complexType>
+              </xsd:element>
+            </xsd:sequence>
+          </xsd:extension>
+        </xsd:complexContent>
+      </xsd:complexType>
+    </xsd:element>
+    <xsd:element name="SharedWithDetails" ma:index="19" nillable="true" ma:displayName="Shared With Details" ma:internalName="SharedWithDetails" ma:readOnly="true">
+      <xsd:simpleType>
+        <xsd:restriction base="dms:Note">
+          <xsd:maxLength value="255"/>
+        </xsd:restriction>
+      </xsd:simpleType>
+    </xsd:element>
+    <xsd:element name="SharingHintHash" ma:index="20" nillable="true" ma:displayName="Sharing Hint Hash" ma:hidden="true" ma:internalName="SharingHintHash" ma:readOnly="true">
+      <xsd:simpleType>
+        <xsd:restriction base="dms:Text"/>
+      </xsd:simpleType>
+    </xsd:element>
+  </xsd:schema>
+  <xsd:schema xmlns="http://schemas.openxmlformats.org/package/2006/metadata/core-properties" xmlns:xsd="http://www.w3.org/2001/XMLSchema" xmlns:xsi="http://www.w3.org/2001/XMLSchema-instance" xmlns:dc="http://purl.org/dc/elements/1.1/" xmlns:dcterms="http://purl.org/dc/terms/" xmlns:odoc="http://schemas.microsoft.com/internal/obd" targetNamespace="http://schemas.openxmlformats.org/package/2006/metadata/core-properties" elementFormDefault="qualified" attributeFormDefault="unqualified" blockDefault="#all">
+    <xsd:import namespace="http://purl.org/dc/elements/1.1/" schemaLocation="http://dublincore.org/schemas/xmls/qdc/2003/04/02/dc.xsd"/>
+    <xsd:import namespace="http://purl.org/dc/terms/" schemaLocation="http://dublincore.org/schemas/xmls/qdc/2003/04/02/dcterms.xsd"/>
+    <xsd:element name="coreProperties" type="CT_coreProperties"/>
+    <xsd:complexType name="CT_coreProperties">
+      <xsd:all>
+        <xsd:element ref="dc:creator" minOccurs="0" maxOccurs="1"/>
+        <xsd:element ref="dcterms:created" minOccurs="0" maxOccurs="1"/>
+        <xsd:element ref="dc:identifier" minOccurs="0" maxOccurs="1"/>
+        <xsd:element name="contentType" minOccurs="0" maxOccurs="1" type="xsd:string" ma:index="0" ma:displayName="Content Type"/>
+        <xsd:element ref="dc:title" minOccurs="0" maxOccurs="1" ma:index="4" ma:displayName="Title"/>
+        <xsd:element ref="dc:subject" minOccurs="0" maxOccurs="1"/>
+        <xsd:element ref="dc:description" minOccurs="0" maxOccurs="1"/>
+        <xsd:element name="keywords" minOccurs="0" maxOccurs="1" type="xsd:string"/>
+        <xsd:element ref="dc:language" minOccurs="0" maxOccurs="1"/>
+        <xsd:element name="category" minOccurs="0" maxOccurs="1" type="xsd:string"/>
+        <xsd:element name="version" minOccurs="0" maxOccurs="1" type="xsd:string"/>
+        <xsd:element name="revision" minOccurs="0" maxOccurs="1" type="xsd:string">
+          <xsd:annotation>
+            <xsd:documentation>
+                        This value indicates the number of saves or revisions. The application is responsible for updating this value after each revision.
+                    </xsd:documentation>
+          </xsd:annotation>
+        </xsd:element>
+        <xsd:element name="lastModifiedBy" minOccurs="0" maxOccurs="1" type="xsd:string"/>
+        <xsd:element ref="dcterms:modified" minOccurs="0" maxOccurs="1"/>
+        <xsd:element name="contentStatus" minOccurs="0" maxOccurs="1" type="xsd:string"/>
+      </xsd:all>
+    </xsd:complexType>
+  </xsd:schema>
+  <xs:schema xmlns:pc="http://schemas.microsoft.com/office/infopath/2007/PartnerControls" xmlns:xs="http://www.w3.org/2001/XMLSchema" targetNamespace="http://schemas.microsoft.com/office/infopath/2007/PartnerControls" elementFormDefault="qualified" attributeFormDefault="unqualified">
+    <xs:element name="Person">
+      <xs:complexType>
+        <xs:sequence>
+          <xs:element ref="pc:DisplayName" minOccurs="0"/>
+          <xs:element ref="pc:AccountId" minOccurs="0"/>
+          <xs:element ref="pc:AccountType" minOccurs="0"/>
+        </xs:sequence>
+      </xs:complexType>
+    </xs:element>
+    <xs:element name="DisplayName" type="xs:string"/>
+    <xs:element name="AccountId" type="xs:string"/>
+    <xs:element name="AccountType" type="xs:string"/>
+    <xs:element name="BDCAssociatedEntity">
+      <xs:complexType>
+        <xs:sequence>
+          <xs:element ref="pc:BDCEntity" minOccurs="0" maxOccurs="unbounded"/>
+        </xs:sequence>
+        <xs:attribute ref="pc:EntityNamespace"/>
+        <xs:attribute ref="pc:EntityName"/>
+        <xs:attribute ref="pc:SystemInstanceName"/>
+        <xs:attribute ref="pc:AssociationName"/>
+      </xs:complexType>
+    </xs:element>
+    <xs:attribute name="EntityNamespace" type="xs:string"/>
+    <xs:attribute name="EntityName" type="xs:string"/>
+    <xs:attribute name="SystemInstanceName" type="xs:string"/>
+    <xs:attribute name="AssociationName" type="xs:string"/>
+    <xs:element name="BDCEntity">
+      <xs:complexType>
+        <xs:sequence>
+          <xs:element ref="pc:EntityDisplayName" minOccurs="0"/>
+          <xs:element ref="pc:EntityInstanceReference" minOccurs="0"/>
+          <xs:element ref="pc:EntityId1" minOccurs="0"/>
+          <xs:element ref="pc:EntityId2" minOccurs="0"/>
+          <xs:element ref="pc:EntityId3" minOccurs="0"/>
+          <xs:element ref="pc:EntityId4" minOccurs="0"/>
+          <xs:element ref="pc:EntityId5" minOccurs="0"/>
+        </xs:sequence>
+      </xs:complexType>
+    </xs:element>
+    <xs:element name="EntityDisplayName" type="xs:string"/>
+    <xs:element name="EntityInstanceReference" type="xs:string"/>
+    <xs:element name="EntityId1" type="xs:string"/>
+    <xs:element name="EntityId2" type="xs:string"/>
+    <xs:element name="EntityId3" type="xs:string"/>
+    <xs:element name="EntityId4" type="xs:string"/>
+    <xs:element name="EntityId5" type="xs:string"/>
+    <xs:element name="Terms">
+      <xs:complexType>
+        <xs:sequence>
+          <xs:element ref="pc:TermInfo" minOccurs="0" maxOccurs="unbounded"/>
+        </xs:sequence>
+      </xs:complexType>
+    </xs:element>
+    <xs:element name="TermInfo">
+      <xs:complexType>
+        <xs:sequence>
+          <xs:element ref="pc:TermName" minOccurs="0"/>
+          <xs:element ref="pc:TermId" minOccurs="0"/>
+        </xs:sequence>
+      </xs:complexType>
+    </xs:element>
+    <xs:element name="TermName" type="xs:string"/>
+    <xs:element name="TermId" type="xs:string"/>
+  </xs:schema>
+</ct:contentTypeSchema>
+</file>
+
+<file path=customXml/item3.xml><?xml version="1.0" encoding="utf-8"?>
+<p:properties xmlns:p="http://schemas.microsoft.com/office/2006/metadata/properties" xmlns:xsi="http://www.w3.org/2001/XMLSchema-instance" xmlns:pc="http://schemas.microsoft.com/office/infopath/2007/PartnerControls">
+  <documentManagement/>
+</p:properties>
+</file>
+
+<file path=customXml/itemProps1.xml><?xml version="1.0" encoding="utf-8"?>
+<ds:datastoreItem xmlns:ds="http://schemas.openxmlformats.org/officeDocument/2006/customXml" ds:itemID="{A21C8A99-0B06-4475-AE99-A1F9C0A19373}">
+  <ds:schemaRefs>
+    <ds:schemaRef ds:uri="http://schemas.microsoft.com/sharepoint/v3/contenttype/forms"/>
+  </ds:schemaRefs>
+</ds:datastoreItem>
+</file>
+
+<file path=customXml/itemProps2.xml><?xml version="1.0" encoding="utf-8"?>
+<ds:datastoreItem xmlns:ds="http://schemas.openxmlformats.org/officeDocument/2006/customXml" ds:itemID="{B86E1474-AF3A-489C-A2A1-0B17F3BDDAF7}">
+  <ds:schemaRefs>
+    <ds:schemaRef ds:uri="http://schemas.microsoft.com/office/2006/metadata/contentType"/>
+    <ds:schemaRef ds:uri="http://schemas.microsoft.com/office/2006/metadata/properties/metaAttributes"/>
+    <ds:schemaRef ds:uri="http://www.w3.org/2001/XMLSchema"/>
+    <ds:schemaRef ds:uri="http://schemas.microsoft.com/office/2006/metadata/properties"/>
+    <ds:schemaRef ds:uri="fd039111-a3d4-483d-82af-7ea19c5c1cff"/>
+    <ds:schemaRef ds:uri="3441a4ca-e6b7-4eb7-9d37-d8bac3973302"/>
+    <ds:schemaRef ds:uri="http://schemas.microsoft.com/office/2006/documentManagement/types"/>
+    <ds:schemaRef ds:uri="http://schemas.microsoft.com/office/infopath/2007/PartnerControls"/>
+    <ds:schemaRef ds:uri="http://schemas.openxmlformats.org/package/2006/metadata/core-properties"/>
+    <ds:schemaRef ds:uri="http://purl.org/dc/elements/1.1/"/>
+    <ds:schemaRef ds:uri="http://purl.org/dc/terms/"/>
+    <ds:schemaRef ds:uri="http://schemas.microsoft.com/internal/obd"/>
+  </ds:schemaRefs>
+</ds:datastoreItem>
+</file>
+
+<file path=customXml/itemProps3.xml><?xml version="1.0" encoding="utf-8"?>
+<ds:datastoreItem xmlns:ds="http://schemas.openxmlformats.org/officeDocument/2006/customXml" ds:itemID="{1A8B9704-4E07-47B0-BC95-BAEDDA36711F}">
+  <ds:schemaRefs>
+    <ds:schemaRef ds:uri="fd039111-a3d4-483d-82af-7ea19c5c1cff"/>
+    <ds:schemaRef ds:uri="http://purl.org/dc/terms/"/>
+    <ds:schemaRef ds:uri="http://schemas.openxmlformats.org/package/2006/metadata/core-properties"/>
+    <ds:schemaRef ds:uri="http://schemas.microsoft.com/office/2006/documentManagement/types"/>
+    <ds:schemaRef ds:uri="http://schemas.microsoft.com/office/infopath/2007/PartnerControls"/>
+    <ds:schemaRef ds:uri="http://purl.org/dc/elements/1.1/"/>
+    <ds:schemaRef ds:uri="http://schemas.microsoft.com/office/2006/metadata/properties"/>
+    <ds:schemaRef ds:uri="3441a4ca-e6b7-4eb7-9d37-d8bac3973302"/>
+    <ds:schemaRef ds:uri="http://www.w3.org/XML/1998/namespace"/>
+    <ds:schemaRef ds:uri="http://purl.org/dc/dcmitype/"/>
+  </ds:schemaRefs>
+</ds:datastoreItem>
 </file>